--- a/1/세미나발표.pptx
+++ b/1/세미나발표.pptx
@@ -5,10 +5,21 @@
     <p:sldMasterId id="2147483648" r:id="rId1"/>
   </p:sldMasterIdLst>
   <p:notesMasterIdLst>
-    <p:notesMasterId r:id="rId3"/>
+    <p:notesMasterId r:id="rId14"/>
   </p:notesMasterIdLst>
   <p:sldIdLst>
     <p:sldId id="256" r:id="rId2"/>
+    <p:sldId id="257" r:id="rId3"/>
+    <p:sldId id="258" r:id="rId4"/>
+    <p:sldId id="259" r:id="rId5"/>
+    <p:sldId id="260" r:id="rId6"/>
+    <p:sldId id="261" r:id="rId7"/>
+    <p:sldId id="262" r:id="rId8"/>
+    <p:sldId id="263" r:id="rId9"/>
+    <p:sldId id="264" r:id="rId10"/>
+    <p:sldId id="265" r:id="rId11"/>
+    <p:sldId id="266" r:id="rId12"/>
+    <p:sldId id="267" r:id="rId13"/>
   </p:sldIdLst>
   <p:sldSz cx="12192000" cy="6858000"/>
   <p:notesSz cx="6858000" cy="9144000"/>
@@ -107,6 +118,11 @@
       </a:defRPr>
     </a:lvl9pPr>
   </p:defaultTextStyle>
+  <p:extLst>
+    <p:ext uri="{EFAFB233-063F-42B5-8137-9DF3F51BA10A}">
+      <p15:sldGuideLst xmlns:p15="http://schemas.microsoft.com/office/powerpoint/2012/main"/>
+    </p:ext>
+  </p:extLst>
 </p:presentation>
 </file>
 
@@ -3775,35 +3791,20 @@
         </p:nvSpPr>
         <p:spPr/>
         <p:txBody>
-          <a:bodyPr/>
-          <a:lstStyle/>
-          <a:p>
-            <a:endParaRPr lang="ko-KR" altLang="en-US" dirty="0"/>
-          </a:p>
-        </p:txBody>
-      </p:sp>
-      <p:sp>
-        <p:nvSpPr>
-          <p:cNvPr id="3" name="부제목 2">
-            <a:extLst>
-              <a:ext uri="{FF2B5EF4-FFF2-40B4-BE49-F238E27FC236}">
-                <a16:creationId xmlns:a16="http://schemas.microsoft.com/office/drawing/2014/main" id="{3810396D-B6F8-C489-D3A8-2640834F959A}"/>
-              </a:ext>
-            </a:extLst>
-          </p:cNvPr>
-          <p:cNvSpPr>
-            <a:spLocks noGrp="1"/>
-          </p:cNvSpPr>
-          <p:nvPr>
-            <p:ph type="subTitle" idx="1"/>
-          </p:nvPr>
-        </p:nvSpPr>
-        <p:spPr/>
-        <p:txBody>
-          <a:bodyPr/>
-          <a:lstStyle/>
-          <a:p>
-            <a:endParaRPr lang="ko-KR" altLang="en-US"/>
+          <a:bodyPr>
+            <a:noAutofit/>
+          </a:bodyPr>
+          <a:lstStyle/>
+          <a:p>
+            <a:r>
+              <a:rPr lang="en-US" altLang="ko-KR" sz="3200" dirty="0" err="1"/>
+              <a:t>pFedMoE</a:t>
+            </a:r>
+            <a:r>
+              <a:rPr lang="en-US" altLang="ko-KR" sz="3200" dirty="0"/>
+              <a:t>: Data-Level Personalization with Mixture of Experts for Model-Heterogeneous Personalized Federated Learning</a:t>
+            </a:r>
+            <a:endParaRPr lang="ko-KR" altLang="en-US" sz="3200" dirty="0"/>
           </a:p>
         </p:txBody>
       </p:sp>
@@ -3811,6 +3812,731 @@
     <p:extLst>
       <p:ext uri="{BB962C8B-B14F-4D97-AF65-F5344CB8AC3E}">
         <p14:creationId xmlns:p14="http://schemas.microsoft.com/office/powerpoint/2010/main" val="94148782"/>
+      </p:ext>
+    </p:extLst>
+  </p:cSld>
+  <p:clrMapOvr>
+    <a:masterClrMapping/>
+  </p:clrMapOvr>
+</p:sld>
+</file>
+
+<file path=ppt/slides/slide10.xml><?xml version="1.0" encoding="utf-8"?>
+<p:sld xmlns:a="http://schemas.openxmlformats.org/drawingml/2006/main" xmlns:r="http://schemas.openxmlformats.org/officeDocument/2006/relationships" xmlns:p="http://schemas.openxmlformats.org/presentationml/2006/main">
+  <p:cSld>
+    <p:spTree>
+      <p:nvGrpSpPr>
+        <p:cNvPr id="1" name=""/>
+        <p:cNvGrpSpPr/>
+        <p:nvPr/>
+      </p:nvGrpSpPr>
+      <p:grpSpPr>
+        <a:xfrm>
+          <a:off x="0" y="0"/>
+          <a:ext cx="0" cy="0"/>
+          <a:chOff x="0" y="0"/>
+          <a:chExt cx="0" cy="0"/>
+        </a:xfrm>
+      </p:grpSpPr>
+      <p:sp>
+        <p:nvSpPr>
+          <p:cNvPr id="2" name="제목 1">
+            <a:extLst>
+              <a:ext uri="{FF2B5EF4-FFF2-40B4-BE49-F238E27FC236}">
+                <a16:creationId xmlns:a16="http://schemas.microsoft.com/office/drawing/2014/main" id="{C0A22C06-84B1-DA9B-12A8-BD950AAB2A40}"/>
+              </a:ext>
+            </a:extLst>
+          </p:cNvPr>
+          <p:cNvSpPr>
+            <a:spLocks noGrp="1"/>
+          </p:cNvSpPr>
+          <p:nvPr>
+            <p:ph type="title"/>
+          </p:nvPr>
+        </p:nvSpPr>
+        <p:spPr/>
+        <p:txBody>
+          <a:bodyPr/>
+          <a:lstStyle/>
+          <a:p>
+            <a:r>
+              <a:rPr lang="en-US" altLang="ko-KR" dirty="0"/>
+              <a:t>Experiment Setup</a:t>
+            </a:r>
+            <a:endParaRPr lang="ko-KR" altLang="en-US" dirty="0"/>
+          </a:p>
+        </p:txBody>
+      </p:sp>
+    </p:spTree>
+    <p:extLst>
+      <p:ext uri="{BB962C8B-B14F-4D97-AF65-F5344CB8AC3E}">
+        <p14:creationId xmlns:p14="http://schemas.microsoft.com/office/powerpoint/2010/main" val="3657618755"/>
+      </p:ext>
+    </p:extLst>
+  </p:cSld>
+  <p:clrMapOvr>
+    <a:masterClrMapping/>
+  </p:clrMapOvr>
+</p:sld>
+</file>
+
+<file path=ppt/slides/slide11.xml><?xml version="1.0" encoding="utf-8"?>
+<p:sld xmlns:a="http://schemas.openxmlformats.org/drawingml/2006/main" xmlns:r="http://schemas.openxmlformats.org/officeDocument/2006/relationships" xmlns:p="http://schemas.openxmlformats.org/presentationml/2006/main">
+  <p:cSld>
+    <p:spTree>
+      <p:nvGrpSpPr>
+        <p:cNvPr id="1" name=""/>
+        <p:cNvGrpSpPr/>
+        <p:nvPr/>
+      </p:nvGrpSpPr>
+      <p:grpSpPr>
+        <a:xfrm>
+          <a:off x="0" y="0"/>
+          <a:ext cx="0" cy="0"/>
+          <a:chOff x="0" y="0"/>
+          <a:chExt cx="0" cy="0"/>
+        </a:xfrm>
+      </p:grpSpPr>
+      <p:sp>
+        <p:nvSpPr>
+          <p:cNvPr id="2" name="제목 1">
+            <a:extLst>
+              <a:ext uri="{FF2B5EF4-FFF2-40B4-BE49-F238E27FC236}">
+                <a16:creationId xmlns:a16="http://schemas.microsoft.com/office/drawing/2014/main" id="{48F0651E-A9C0-103A-6623-D99004E69C54}"/>
+              </a:ext>
+            </a:extLst>
+          </p:cNvPr>
+          <p:cNvSpPr>
+            <a:spLocks noGrp="1"/>
+          </p:cNvSpPr>
+          <p:nvPr>
+            <p:ph type="title"/>
+          </p:nvPr>
+        </p:nvSpPr>
+        <p:spPr/>
+        <p:txBody>
+          <a:bodyPr/>
+          <a:lstStyle/>
+          <a:p>
+            <a:r>
+              <a:rPr lang="en-US" altLang="ko-KR" dirty="0"/>
+              <a:t>Result</a:t>
+            </a:r>
+            <a:endParaRPr lang="ko-KR" altLang="en-US" dirty="0"/>
+          </a:p>
+        </p:txBody>
+      </p:sp>
+    </p:spTree>
+    <p:extLst>
+      <p:ext uri="{BB962C8B-B14F-4D97-AF65-F5344CB8AC3E}">
+        <p14:creationId xmlns:p14="http://schemas.microsoft.com/office/powerpoint/2010/main" val="906542775"/>
+      </p:ext>
+    </p:extLst>
+  </p:cSld>
+  <p:clrMapOvr>
+    <a:masterClrMapping/>
+  </p:clrMapOvr>
+</p:sld>
+</file>
+
+<file path=ppt/slides/slide12.xml><?xml version="1.0" encoding="utf-8"?>
+<p:sld xmlns:a="http://schemas.openxmlformats.org/drawingml/2006/main" xmlns:r="http://schemas.openxmlformats.org/officeDocument/2006/relationships" xmlns:p="http://schemas.openxmlformats.org/presentationml/2006/main">
+  <p:cSld>
+    <p:spTree>
+      <p:nvGrpSpPr>
+        <p:cNvPr id="1" name=""/>
+        <p:cNvGrpSpPr/>
+        <p:nvPr/>
+      </p:nvGrpSpPr>
+      <p:grpSpPr>
+        <a:xfrm>
+          <a:off x="0" y="0"/>
+          <a:ext cx="0" cy="0"/>
+          <a:chOff x="0" y="0"/>
+          <a:chExt cx="0" cy="0"/>
+        </a:xfrm>
+      </p:grpSpPr>
+      <p:sp>
+        <p:nvSpPr>
+          <p:cNvPr id="2" name="제목 1">
+            <a:extLst>
+              <a:ext uri="{FF2B5EF4-FFF2-40B4-BE49-F238E27FC236}">
+                <a16:creationId xmlns:a16="http://schemas.microsoft.com/office/drawing/2014/main" id="{F5190706-4EFB-B66C-50FD-A16ACD0C788D}"/>
+              </a:ext>
+            </a:extLst>
+          </p:cNvPr>
+          <p:cNvSpPr>
+            <a:spLocks noGrp="1"/>
+          </p:cNvSpPr>
+          <p:nvPr>
+            <p:ph type="title"/>
+          </p:nvPr>
+        </p:nvSpPr>
+        <p:spPr/>
+        <p:txBody>
+          <a:bodyPr/>
+          <a:lstStyle/>
+          <a:p>
+            <a:r>
+              <a:rPr lang="en-US" altLang="ko-KR" dirty="0"/>
+              <a:t>Conclusions</a:t>
+            </a:r>
+            <a:endParaRPr lang="ko-KR" altLang="en-US" dirty="0"/>
+          </a:p>
+        </p:txBody>
+      </p:sp>
+    </p:spTree>
+    <p:extLst>
+      <p:ext uri="{BB962C8B-B14F-4D97-AF65-F5344CB8AC3E}">
+        <p14:creationId xmlns:p14="http://schemas.microsoft.com/office/powerpoint/2010/main" val="3050667125"/>
+      </p:ext>
+    </p:extLst>
+  </p:cSld>
+  <p:clrMapOvr>
+    <a:masterClrMapping/>
+  </p:clrMapOvr>
+</p:sld>
+</file>
+
+<file path=ppt/slides/slide2.xml><?xml version="1.0" encoding="utf-8"?>
+<p:sld xmlns:a="http://schemas.openxmlformats.org/drawingml/2006/main" xmlns:r="http://schemas.openxmlformats.org/officeDocument/2006/relationships" xmlns:p="http://schemas.openxmlformats.org/presentationml/2006/main">
+  <p:cSld>
+    <p:spTree>
+      <p:nvGrpSpPr>
+        <p:cNvPr id="1" name=""/>
+        <p:cNvGrpSpPr/>
+        <p:nvPr/>
+      </p:nvGrpSpPr>
+      <p:grpSpPr>
+        <a:xfrm>
+          <a:off x="0" y="0"/>
+          <a:ext cx="0" cy="0"/>
+          <a:chOff x="0" y="0"/>
+          <a:chExt cx="0" cy="0"/>
+        </a:xfrm>
+      </p:grpSpPr>
+      <p:sp>
+        <p:nvSpPr>
+          <p:cNvPr id="2" name="제목 1">
+            <a:extLst>
+              <a:ext uri="{FF2B5EF4-FFF2-40B4-BE49-F238E27FC236}">
+                <a16:creationId xmlns:a16="http://schemas.microsoft.com/office/drawing/2014/main" id="{37899B4A-2D1B-9A92-0E6E-91785097A147}"/>
+              </a:ext>
+            </a:extLst>
+          </p:cNvPr>
+          <p:cNvSpPr>
+            <a:spLocks noGrp="1"/>
+          </p:cNvSpPr>
+          <p:nvPr>
+            <p:ph type="title"/>
+          </p:nvPr>
+        </p:nvSpPr>
+        <p:spPr/>
+        <p:txBody>
+          <a:bodyPr/>
+          <a:lstStyle/>
+          <a:p>
+            <a:r>
+              <a:rPr lang="en-US" altLang="ko-KR" dirty="0" err="1"/>
+              <a:t>MoE</a:t>
+            </a:r>
+            <a:r>
+              <a:rPr lang="en-US" altLang="ko-KR" dirty="0"/>
+              <a:t>?</a:t>
+            </a:r>
+            <a:endParaRPr lang="ko-KR" altLang="en-US" dirty="0"/>
+          </a:p>
+        </p:txBody>
+      </p:sp>
+    </p:spTree>
+    <p:extLst>
+      <p:ext uri="{BB962C8B-B14F-4D97-AF65-F5344CB8AC3E}">
+        <p14:creationId xmlns:p14="http://schemas.microsoft.com/office/powerpoint/2010/main" val="2190346622"/>
+      </p:ext>
+    </p:extLst>
+  </p:cSld>
+  <p:clrMapOvr>
+    <a:masterClrMapping/>
+  </p:clrMapOvr>
+</p:sld>
+</file>
+
+<file path=ppt/slides/slide3.xml><?xml version="1.0" encoding="utf-8"?>
+<p:sld xmlns:a="http://schemas.openxmlformats.org/drawingml/2006/main" xmlns:r="http://schemas.openxmlformats.org/officeDocument/2006/relationships" xmlns:p="http://schemas.openxmlformats.org/presentationml/2006/main">
+  <p:cSld>
+    <p:spTree>
+      <p:nvGrpSpPr>
+        <p:cNvPr id="1" name=""/>
+        <p:cNvGrpSpPr/>
+        <p:nvPr/>
+      </p:nvGrpSpPr>
+      <p:grpSpPr>
+        <a:xfrm>
+          <a:off x="0" y="0"/>
+          <a:ext cx="0" cy="0"/>
+          <a:chOff x="0" y="0"/>
+          <a:chExt cx="0" cy="0"/>
+        </a:xfrm>
+      </p:grpSpPr>
+      <p:sp>
+        <p:nvSpPr>
+          <p:cNvPr id="2" name="제목 1">
+            <a:extLst>
+              <a:ext uri="{FF2B5EF4-FFF2-40B4-BE49-F238E27FC236}">
+                <a16:creationId xmlns:a16="http://schemas.microsoft.com/office/drawing/2014/main" id="{74B8CE67-EF0D-0E55-AB0B-8B45BBF57BC2}"/>
+              </a:ext>
+            </a:extLst>
+          </p:cNvPr>
+          <p:cNvSpPr>
+            <a:spLocks noGrp="1"/>
+          </p:cNvSpPr>
+          <p:nvPr>
+            <p:ph type="title"/>
+          </p:nvPr>
+        </p:nvSpPr>
+        <p:spPr/>
+        <p:txBody>
+          <a:bodyPr/>
+          <a:lstStyle/>
+          <a:p>
+            <a:r>
+              <a:rPr lang="en-US" altLang="ko-KR" dirty="0"/>
+              <a:t>FL?</a:t>
+            </a:r>
+            <a:endParaRPr lang="ko-KR" altLang="en-US" dirty="0"/>
+          </a:p>
+        </p:txBody>
+      </p:sp>
+    </p:spTree>
+    <p:extLst>
+      <p:ext uri="{BB962C8B-B14F-4D97-AF65-F5344CB8AC3E}">
+        <p14:creationId xmlns:p14="http://schemas.microsoft.com/office/powerpoint/2010/main" val="897327494"/>
+      </p:ext>
+    </p:extLst>
+  </p:cSld>
+  <p:clrMapOvr>
+    <a:masterClrMapping/>
+  </p:clrMapOvr>
+</p:sld>
+</file>
+
+<file path=ppt/slides/slide4.xml><?xml version="1.0" encoding="utf-8"?>
+<p:sld xmlns:a="http://schemas.openxmlformats.org/drawingml/2006/main" xmlns:r="http://schemas.openxmlformats.org/officeDocument/2006/relationships" xmlns:p="http://schemas.openxmlformats.org/presentationml/2006/main">
+  <p:cSld>
+    <p:spTree>
+      <p:nvGrpSpPr>
+        <p:cNvPr id="1" name=""/>
+        <p:cNvGrpSpPr/>
+        <p:nvPr/>
+      </p:nvGrpSpPr>
+      <p:grpSpPr>
+        <a:xfrm>
+          <a:off x="0" y="0"/>
+          <a:ext cx="0" cy="0"/>
+          <a:chOff x="0" y="0"/>
+          <a:chExt cx="0" cy="0"/>
+        </a:xfrm>
+      </p:grpSpPr>
+      <p:sp>
+        <p:nvSpPr>
+          <p:cNvPr id="2" name="제목 1">
+            <a:extLst>
+              <a:ext uri="{FF2B5EF4-FFF2-40B4-BE49-F238E27FC236}">
+                <a16:creationId xmlns:a16="http://schemas.microsoft.com/office/drawing/2014/main" id="{63B7880F-6ACB-AFD8-795F-7C8AC9F08814}"/>
+              </a:ext>
+            </a:extLst>
+          </p:cNvPr>
+          <p:cNvSpPr>
+            <a:spLocks noGrp="1"/>
+          </p:cNvSpPr>
+          <p:nvPr>
+            <p:ph type="title"/>
+          </p:nvPr>
+        </p:nvSpPr>
+        <p:spPr/>
+        <p:txBody>
+          <a:bodyPr/>
+          <a:lstStyle/>
+          <a:p>
+            <a:r>
+              <a:rPr lang="en-US" altLang="ko-KR" dirty="0"/>
+              <a:t>Challenges in FL</a:t>
+            </a:r>
+            <a:endParaRPr lang="ko-KR" altLang="en-US" dirty="0"/>
+          </a:p>
+        </p:txBody>
+      </p:sp>
+      <p:sp>
+        <p:nvSpPr>
+          <p:cNvPr id="4" name="TextBox 3">
+            <a:extLst>
+              <a:ext uri="{FF2B5EF4-FFF2-40B4-BE49-F238E27FC236}">
+                <a16:creationId xmlns:a16="http://schemas.microsoft.com/office/drawing/2014/main" id="{0C945A77-70A2-3612-1B74-5D72A5A42EE3}"/>
+              </a:ext>
+            </a:extLst>
+          </p:cNvPr>
+          <p:cNvSpPr txBox="1"/>
+          <p:nvPr/>
+        </p:nvSpPr>
+        <p:spPr>
+          <a:xfrm>
+            <a:off x="838200" y="1690688"/>
+            <a:ext cx="3882025" cy="646331"/>
+          </a:xfrm>
+          <a:prstGeom prst="rect">
+            <a:avLst/>
+          </a:prstGeom>
+          <a:noFill/>
+        </p:spPr>
+        <p:txBody>
+          <a:bodyPr wrap="none" rtlCol="0">
+            <a:spAutoFit/>
+          </a:bodyPr>
+          <a:lstStyle/>
+          <a:p>
+            <a:r>
+              <a:rPr lang="en-US" altLang="ko-KR" sz="3600" dirty="0"/>
+              <a:t>-&gt; heterogeneity!</a:t>
+            </a:r>
+            <a:endParaRPr lang="ko-KR" altLang="en-US" sz="3600" dirty="0"/>
+          </a:p>
+        </p:txBody>
+      </p:sp>
+    </p:spTree>
+    <p:extLst>
+      <p:ext uri="{BB962C8B-B14F-4D97-AF65-F5344CB8AC3E}">
+        <p14:creationId xmlns:p14="http://schemas.microsoft.com/office/powerpoint/2010/main" val="324634254"/>
+      </p:ext>
+    </p:extLst>
+  </p:cSld>
+  <p:clrMapOvr>
+    <a:masterClrMapping/>
+  </p:clrMapOvr>
+</p:sld>
+</file>
+
+<file path=ppt/slides/slide5.xml><?xml version="1.0" encoding="utf-8"?>
+<p:sld xmlns:a="http://schemas.openxmlformats.org/drawingml/2006/main" xmlns:r="http://schemas.openxmlformats.org/officeDocument/2006/relationships" xmlns:p="http://schemas.openxmlformats.org/presentationml/2006/main">
+  <p:cSld>
+    <p:spTree>
+      <p:nvGrpSpPr>
+        <p:cNvPr id="1" name=""/>
+        <p:cNvGrpSpPr/>
+        <p:nvPr/>
+      </p:nvGrpSpPr>
+      <p:grpSpPr>
+        <a:xfrm>
+          <a:off x="0" y="0"/>
+          <a:ext cx="0" cy="0"/>
+          <a:chOff x="0" y="0"/>
+          <a:chExt cx="0" cy="0"/>
+        </a:xfrm>
+      </p:grpSpPr>
+      <p:sp>
+        <p:nvSpPr>
+          <p:cNvPr id="2" name="제목 1">
+            <a:extLst>
+              <a:ext uri="{FF2B5EF4-FFF2-40B4-BE49-F238E27FC236}">
+                <a16:creationId xmlns:a16="http://schemas.microsoft.com/office/drawing/2014/main" id="{B9676F62-AF11-863D-5E27-64F0F4C4CD2B}"/>
+              </a:ext>
+            </a:extLst>
+          </p:cNvPr>
+          <p:cNvSpPr>
+            <a:spLocks noGrp="1"/>
+          </p:cNvSpPr>
+          <p:nvPr>
+            <p:ph type="title"/>
+          </p:nvPr>
+        </p:nvSpPr>
+        <p:spPr/>
+        <p:txBody>
+          <a:bodyPr/>
+          <a:lstStyle/>
+          <a:p>
+            <a:r>
+              <a:rPr lang="en-US" altLang="ko-KR" dirty="0"/>
+              <a:t>Related Work</a:t>
+            </a:r>
+            <a:endParaRPr lang="ko-KR" altLang="en-US" dirty="0"/>
+          </a:p>
+        </p:txBody>
+      </p:sp>
+      <p:sp>
+        <p:nvSpPr>
+          <p:cNvPr id="4" name="TextBox 3">
+            <a:extLst>
+              <a:ext uri="{FF2B5EF4-FFF2-40B4-BE49-F238E27FC236}">
+                <a16:creationId xmlns:a16="http://schemas.microsoft.com/office/drawing/2014/main" id="{4ED7CADD-B040-AD35-DD4C-ECEB1030BCD1}"/>
+              </a:ext>
+            </a:extLst>
+          </p:cNvPr>
+          <p:cNvSpPr txBox="1"/>
+          <p:nvPr/>
+        </p:nvSpPr>
+        <p:spPr>
+          <a:xfrm>
+            <a:off x="838200" y="1690688"/>
+            <a:ext cx="8974123" cy="646331"/>
+          </a:xfrm>
+          <a:prstGeom prst="rect">
+            <a:avLst/>
+          </a:prstGeom>
+          <a:noFill/>
+        </p:spPr>
+        <p:txBody>
+          <a:bodyPr wrap="none" rtlCol="0">
+            <a:spAutoFit/>
+          </a:bodyPr>
+          <a:lstStyle/>
+          <a:p>
+            <a:r>
+              <a:rPr lang="en-US" altLang="ko-KR" sz="3600" dirty="0"/>
+              <a:t>-&gt; Model-Heterogeneous Personalized FL</a:t>
+            </a:r>
+            <a:endParaRPr lang="ko-KR" altLang="en-US" sz="3600" dirty="0"/>
+          </a:p>
+        </p:txBody>
+      </p:sp>
+    </p:spTree>
+    <p:extLst>
+      <p:ext uri="{BB962C8B-B14F-4D97-AF65-F5344CB8AC3E}">
+        <p14:creationId xmlns:p14="http://schemas.microsoft.com/office/powerpoint/2010/main" val="725331270"/>
+      </p:ext>
+    </p:extLst>
+  </p:cSld>
+  <p:clrMapOvr>
+    <a:masterClrMapping/>
+  </p:clrMapOvr>
+</p:sld>
+</file>
+
+<file path=ppt/slides/slide6.xml><?xml version="1.0" encoding="utf-8"?>
+<p:sld xmlns:a="http://schemas.openxmlformats.org/drawingml/2006/main" xmlns:r="http://schemas.openxmlformats.org/officeDocument/2006/relationships" xmlns:p="http://schemas.openxmlformats.org/presentationml/2006/main">
+  <p:cSld>
+    <p:spTree>
+      <p:nvGrpSpPr>
+        <p:cNvPr id="1" name=""/>
+        <p:cNvGrpSpPr/>
+        <p:nvPr/>
+      </p:nvGrpSpPr>
+      <p:grpSpPr>
+        <a:xfrm>
+          <a:off x="0" y="0"/>
+          <a:ext cx="0" cy="0"/>
+          <a:chOff x="0" y="0"/>
+          <a:chExt cx="0" cy="0"/>
+        </a:xfrm>
+      </p:grpSpPr>
+      <p:sp>
+        <p:nvSpPr>
+          <p:cNvPr id="2" name="제목 1">
+            <a:extLst>
+              <a:ext uri="{FF2B5EF4-FFF2-40B4-BE49-F238E27FC236}">
+                <a16:creationId xmlns:a16="http://schemas.microsoft.com/office/drawing/2014/main" id="{058E7523-2347-837C-7BD6-960824DB0D2C}"/>
+              </a:ext>
+            </a:extLst>
+          </p:cNvPr>
+          <p:cNvSpPr>
+            <a:spLocks noGrp="1"/>
+          </p:cNvSpPr>
+          <p:nvPr>
+            <p:ph type="title"/>
+          </p:nvPr>
+        </p:nvSpPr>
+        <p:spPr/>
+        <p:txBody>
+          <a:bodyPr/>
+          <a:lstStyle/>
+          <a:p>
+            <a:r>
+              <a:rPr lang="en-US" altLang="ko-KR" dirty="0"/>
+              <a:t>Challenges in MHPFL</a:t>
+            </a:r>
+            <a:endParaRPr lang="ko-KR" altLang="en-US" dirty="0"/>
+          </a:p>
+        </p:txBody>
+      </p:sp>
+    </p:spTree>
+    <p:extLst>
+      <p:ext uri="{BB962C8B-B14F-4D97-AF65-F5344CB8AC3E}">
+        <p14:creationId xmlns:p14="http://schemas.microsoft.com/office/powerpoint/2010/main" val="1895377747"/>
+      </p:ext>
+    </p:extLst>
+  </p:cSld>
+  <p:clrMapOvr>
+    <a:masterClrMapping/>
+  </p:clrMapOvr>
+</p:sld>
+</file>
+
+<file path=ppt/slides/slide7.xml><?xml version="1.0" encoding="utf-8"?>
+<p:sld xmlns:a="http://schemas.openxmlformats.org/drawingml/2006/main" xmlns:r="http://schemas.openxmlformats.org/officeDocument/2006/relationships" xmlns:p="http://schemas.openxmlformats.org/presentationml/2006/main">
+  <p:cSld>
+    <p:spTree>
+      <p:nvGrpSpPr>
+        <p:cNvPr id="1" name=""/>
+        <p:cNvGrpSpPr/>
+        <p:nvPr/>
+      </p:nvGrpSpPr>
+      <p:grpSpPr>
+        <a:xfrm>
+          <a:off x="0" y="0"/>
+          <a:ext cx="0" cy="0"/>
+          <a:chOff x="0" y="0"/>
+          <a:chExt cx="0" cy="0"/>
+        </a:xfrm>
+      </p:grpSpPr>
+      <p:sp>
+        <p:nvSpPr>
+          <p:cNvPr id="2" name="제목 1">
+            <a:extLst>
+              <a:ext uri="{FF2B5EF4-FFF2-40B4-BE49-F238E27FC236}">
+                <a16:creationId xmlns:a16="http://schemas.microsoft.com/office/drawing/2014/main" id="{130E19F7-9A37-C385-0C9D-0FB13694D4AB}"/>
+              </a:ext>
+            </a:extLst>
+          </p:cNvPr>
+          <p:cNvSpPr>
+            <a:spLocks noGrp="1"/>
+          </p:cNvSpPr>
+          <p:nvPr>
+            <p:ph type="title"/>
+          </p:nvPr>
+        </p:nvSpPr>
+        <p:spPr/>
+        <p:txBody>
+          <a:bodyPr/>
+          <a:lstStyle/>
+          <a:p>
+            <a:r>
+              <a:rPr lang="en-US" altLang="ko-KR" dirty="0"/>
+              <a:t>The Problem the Author Aimed to Solve</a:t>
+            </a:r>
+            <a:endParaRPr lang="ko-KR" altLang="en-US" dirty="0"/>
+          </a:p>
+        </p:txBody>
+      </p:sp>
+    </p:spTree>
+    <p:extLst>
+      <p:ext uri="{BB962C8B-B14F-4D97-AF65-F5344CB8AC3E}">
+        <p14:creationId xmlns:p14="http://schemas.microsoft.com/office/powerpoint/2010/main" val="1303564138"/>
+      </p:ext>
+    </p:extLst>
+  </p:cSld>
+  <p:clrMapOvr>
+    <a:masterClrMapping/>
+  </p:clrMapOvr>
+</p:sld>
+</file>
+
+<file path=ppt/slides/slide8.xml><?xml version="1.0" encoding="utf-8"?>
+<p:sld xmlns:a="http://schemas.openxmlformats.org/drawingml/2006/main" xmlns:r="http://schemas.openxmlformats.org/officeDocument/2006/relationships" xmlns:p="http://schemas.openxmlformats.org/presentationml/2006/main">
+  <p:cSld>
+    <p:spTree>
+      <p:nvGrpSpPr>
+        <p:cNvPr id="1" name=""/>
+        <p:cNvGrpSpPr/>
+        <p:nvPr/>
+      </p:nvGrpSpPr>
+      <p:grpSpPr>
+        <a:xfrm>
+          <a:off x="0" y="0"/>
+          <a:ext cx="0" cy="0"/>
+          <a:chOff x="0" y="0"/>
+          <a:chExt cx="0" cy="0"/>
+        </a:xfrm>
+      </p:grpSpPr>
+      <p:sp>
+        <p:nvSpPr>
+          <p:cNvPr id="2" name="제목 1">
+            <a:extLst>
+              <a:ext uri="{FF2B5EF4-FFF2-40B4-BE49-F238E27FC236}">
+                <a16:creationId xmlns:a16="http://schemas.microsoft.com/office/drawing/2014/main" id="{7AB59638-C19E-F9E3-3B74-51874F6FFEDA}"/>
+              </a:ext>
+            </a:extLst>
+          </p:cNvPr>
+          <p:cNvSpPr>
+            <a:spLocks noGrp="1"/>
+          </p:cNvSpPr>
+          <p:nvPr>
+            <p:ph type="title"/>
+          </p:nvPr>
+        </p:nvSpPr>
+        <p:spPr/>
+        <p:txBody>
+          <a:bodyPr/>
+          <a:lstStyle/>
+          <a:p>
+            <a:r>
+              <a:rPr lang="en-US" altLang="ko-KR" dirty="0" err="1"/>
+              <a:t>pFedMoE</a:t>
+            </a:r>
+            <a:endParaRPr lang="ko-KR" altLang="en-US" dirty="0"/>
+          </a:p>
+        </p:txBody>
+      </p:sp>
+    </p:spTree>
+    <p:extLst>
+      <p:ext uri="{BB962C8B-B14F-4D97-AF65-F5344CB8AC3E}">
+        <p14:creationId xmlns:p14="http://schemas.microsoft.com/office/powerpoint/2010/main" val="1946110874"/>
+      </p:ext>
+    </p:extLst>
+  </p:cSld>
+  <p:clrMapOvr>
+    <a:masterClrMapping/>
+  </p:clrMapOvr>
+</p:sld>
+</file>
+
+<file path=ppt/slides/slide9.xml><?xml version="1.0" encoding="utf-8"?>
+<p:sld xmlns:a="http://schemas.openxmlformats.org/drawingml/2006/main" xmlns:r="http://schemas.openxmlformats.org/officeDocument/2006/relationships" xmlns:p="http://schemas.openxmlformats.org/presentationml/2006/main">
+  <p:cSld>
+    <p:spTree>
+      <p:nvGrpSpPr>
+        <p:cNvPr id="1" name=""/>
+        <p:cNvGrpSpPr/>
+        <p:nvPr/>
+      </p:nvGrpSpPr>
+      <p:grpSpPr>
+        <a:xfrm>
+          <a:off x="0" y="0"/>
+          <a:ext cx="0" cy="0"/>
+          <a:chOff x="0" y="0"/>
+          <a:chExt cx="0" cy="0"/>
+        </a:xfrm>
+      </p:grpSpPr>
+      <p:sp>
+        <p:nvSpPr>
+          <p:cNvPr id="2" name="제목 1">
+            <a:extLst>
+              <a:ext uri="{FF2B5EF4-FFF2-40B4-BE49-F238E27FC236}">
+                <a16:creationId xmlns:a16="http://schemas.microsoft.com/office/drawing/2014/main" id="{CACC4537-F720-7D68-B7BA-370B5FBF3D10}"/>
+              </a:ext>
+            </a:extLst>
+          </p:cNvPr>
+          <p:cNvSpPr>
+            <a:spLocks noGrp="1"/>
+          </p:cNvSpPr>
+          <p:nvPr>
+            <p:ph type="title"/>
+          </p:nvPr>
+        </p:nvSpPr>
+        <p:spPr/>
+        <p:txBody>
+          <a:bodyPr/>
+          <a:lstStyle/>
+          <a:p>
+            <a:r>
+              <a:rPr lang="en-US" altLang="ko-KR" dirty="0"/>
+              <a:t>Analysis</a:t>
+            </a:r>
+            <a:endParaRPr lang="ko-KR" altLang="en-US" dirty="0"/>
+          </a:p>
+        </p:txBody>
+      </p:sp>
+    </p:spTree>
+    <p:extLst>
+      <p:ext uri="{BB962C8B-B14F-4D97-AF65-F5344CB8AC3E}">
+        <p14:creationId xmlns:p14="http://schemas.microsoft.com/office/powerpoint/2010/main" val="3432768764"/>
       </p:ext>
     </p:extLst>
   </p:cSld>

--- a/1/세미나발표.pptx
+++ b/1/세미나발표.pptx
@@ -208,7 +208,7 @@
           <a:p>
             <a:fld id="{4FC74EEF-E0FB-4370-B80C-560C50B0EB2F}" type="datetimeFigureOut">
               <a:rPr lang="ko-KR" altLang="en-US" smtClean="0"/>
-              <a:t>2025-02-17</a:t>
+              <a:t>2025-02-24</a:t>
             </a:fld>
             <a:endParaRPr lang="ko-KR" altLang="en-US"/>
           </a:p>
@@ -706,7 +706,7 @@
           <a:p>
             <a:fld id="{E3D836C9-B050-46B7-92B7-BD666DF6424E}" type="datetimeFigureOut">
               <a:rPr lang="ko-KR" altLang="en-US" smtClean="0"/>
-              <a:t>2025-02-17</a:t>
+              <a:t>2025-02-24</a:t>
             </a:fld>
             <a:endParaRPr lang="ko-KR" altLang="en-US"/>
           </a:p>
@@ -904,7 +904,7 @@
           <a:p>
             <a:fld id="{E3D836C9-B050-46B7-92B7-BD666DF6424E}" type="datetimeFigureOut">
               <a:rPr lang="ko-KR" altLang="en-US" smtClean="0"/>
-              <a:t>2025-02-17</a:t>
+              <a:t>2025-02-24</a:t>
             </a:fld>
             <a:endParaRPr lang="ko-KR" altLang="en-US"/>
           </a:p>
@@ -1112,7 +1112,7 @@
           <a:p>
             <a:fld id="{E3D836C9-B050-46B7-92B7-BD666DF6424E}" type="datetimeFigureOut">
               <a:rPr lang="ko-KR" altLang="en-US" smtClean="0"/>
-              <a:t>2025-02-17</a:t>
+              <a:t>2025-02-24</a:t>
             </a:fld>
             <a:endParaRPr lang="ko-KR" altLang="en-US"/>
           </a:p>
@@ -1310,7 +1310,7 @@
           <a:p>
             <a:fld id="{E3D836C9-B050-46B7-92B7-BD666DF6424E}" type="datetimeFigureOut">
               <a:rPr lang="ko-KR" altLang="en-US" smtClean="0"/>
-              <a:t>2025-02-17</a:t>
+              <a:t>2025-02-24</a:t>
             </a:fld>
             <a:endParaRPr lang="ko-KR" altLang="en-US"/>
           </a:p>
@@ -1585,7 +1585,7 @@
           <a:p>
             <a:fld id="{E3D836C9-B050-46B7-92B7-BD666DF6424E}" type="datetimeFigureOut">
               <a:rPr lang="ko-KR" altLang="en-US" smtClean="0"/>
-              <a:t>2025-02-17</a:t>
+              <a:t>2025-02-24</a:t>
             </a:fld>
             <a:endParaRPr lang="ko-KR" altLang="en-US"/>
           </a:p>
@@ -1850,7 +1850,7 @@
           <a:p>
             <a:fld id="{E3D836C9-B050-46B7-92B7-BD666DF6424E}" type="datetimeFigureOut">
               <a:rPr lang="ko-KR" altLang="en-US" smtClean="0"/>
-              <a:t>2025-02-17</a:t>
+              <a:t>2025-02-24</a:t>
             </a:fld>
             <a:endParaRPr lang="ko-KR" altLang="en-US"/>
           </a:p>
@@ -2262,7 +2262,7 @@
           <a:p>
             <a:fld id="{E3D836C9-B050-46B7-92B7-BD666DF6424E}" type="datetimeFigureOut">
               <a:rPr lang="ko-KR" altLang="en-US" smtClean="0"/>
-              <a:t>2025-02-17</a:t>
+              <a:t>2025-02-24</a:t>
             </a:fld>
             <a:endParaRPr lang="ko-KR" altLang="en-US"/>
           </a:p>
@@ -2403,7 +2403,7 @@
           <a:p>
             <a:fld id="{E3D836C9-B050-46B7-92B7-BD666DF6424E}" type="datetimeFigureOut">
               <a:rPr lang="ko-KR" altLang="en-US" smtClean="0"/>
-              <a:t>2025-02-17</a:t>
+              <a:t>2025-02-24</a:t>
             </a:fld>
             <a:endParaRPr lang="ko-KR" altLang="en-US"/>
           </a:p>
@@ -2516,7 +2516,7 @@
           <a:p>
             <a:fld id="{E3D836C9-B050-46B7-92B7-BD666DF6424E}" type="datetimeFigureOut">
               <a:rPr lang="ko-KR" altLang="en-US" smtClean="0"/>
-              <a:t>2025-02-17</a:t>
+              <a:t>2025-02-24</a:t>
             </a:fld>
             <a:endParaRPr lang="ko-KR" altLang="en-US"/>
           </a:p>
@@ -2827,7 +2827,7 @@
           <a:p>
             <a:fld id="{E3D836C9-B050-46B7-92B7-BD666DF6424E}" type="datetimeFigureOut">
               <a:rPr lang="ko-KR" altLang="en-US" smtClean="0"/>
-              <a:t>2025-02-17</a:t>
+              <a:t>2025-02-24</a:t>
             </a:fld>
             <a:endParaRPr lang="ko-KR" altLang="en-US"/>
           </a:p>
@@ -3115,7 +3115,7 @@
           <a:p>
             <a:fld id="{E3D836C9-B050-46B7-92B7-BD666DF6424E}" type="datetimeFigureOut">
               <a:rPr lang="ko-KR" altLang="en-US" smtClean="0"/>
-              <a:t>2025-02-17</a:t>
+              <a:t>2025-02-24</a:t>
             </a:fld>
             <a:endParaRPr lang="ko-KR" altLang="en-US"/>
           </a:p>
@@ -3356,7 +3356,7 @@
           <a:p>
             <a:fld id="{E3D836C9-B050-46B7-92B7-BD666DF6424E}" type="datetimeFigureOut">
               <a:rPr lang="ko-KR" altLang="en-US" smtClean="0"/>
-              <a:t>2025-02-17</a:t>
+              <a:t>2025-02-24</a:t>
             </a:fld>
             <a:endParaRPr lang="ko-KR" altLang="en-US"/>
           </a:p>
@@ -4048,6 +4048,36 @@
           </a:p>
         </p:txBody>
       </p:sp>
+      <p:pic>
+        <p:nvPicPr>
+          <p:cNvPr id="5" name="그림 4">
+            <a:extLst>
+              <a:ext uri="{FF2B5EF4-FFF2-40B4-BE49-F238E27FC236}">
+                <a16:creationId xmlns:a16="http://schemas.microsoft.com/office/drawing/2014/main" id="{F797B2B1-E1F6-8A31-9ADA-9327D7EF2205}"/>
+              </a:ext>
+            </a:extLst>
+          </p:cNvPr>
+          <p:cNvPicPr>
+            <a:picLocks noChangeAspect="1"/>
+          </p:cNvPicPr>
+          <p:nvPr/>
+        </p:nvPicPr>
+        <p:blipFill>
+          <a:blip r:embed="rId2"/>
+          <a:stretch>
+            <a:fillRect/>
+          </a:stretch>
+        </p:blipFill>
+        <p:spPr>
+          <a:xfrm>
+            <a:off x="3266709" y="1909207"/>
+            <a:ext cx="5147717" cy="3264496"/>
+          </a:xfrm>
+          <a:prstGeom prst="rect">
+            <a:avLst/>
+          </a:prstGeom>
+        </p:spPr>
+      </p:pic>
     </p:spTree>
     <p:extLst>
       <p:ext uri="{BB962C8B-B14F-4D97-AF65-F5344CB8AC3E}">
@@ -4474,6 +4504,36 @@
           </a:p>
         </p:txBody>
       </p:sp>
+      <p:pic>
+        <p:nvPicPr>
+          <p:cNvPr id="4" name="그림 3">
+            <a:extLst>
+              <a:ext uri="{FF2B5EF4-FFF2-40B4-BE49-F238E27FC236}">
+                <a16:creationId xmlns:a16="http://schemas.microsoft.com/office/drawing/2014/main" id="{8F5BB997-3C5A-F586-488B-A1A23FB38C97}"/>
+              </a:ext>
+            </a:extLst>
+          </p:cNvPr>
+          <p:cNvPicPr>
+            <a:picLocks noChangeAspect="1"/>
+          </p:cNvPicPr>
+          <p:nvPr/>
+        </p:nvPicPr>
+        <p:blipFill>
+          <a:blip r:embed="rId2"/>
+          <a:stretch>
+            <a:fillRect/>
+          </a:stretch>
+        </p:blipFill>
+        <p:spPr>
+          <a:xfrm>
+            <a:off x="2296433" y="1476236"/>
+            <a:ext cx="6888520" cy="4978958"/>
+          </a:xfrm>
+          <a:prstGeom prst="rect">
+            <a:avLst/>
+          </a:prstGeom>
+        </p:spPr>
+      </p:pic>
     </p:spTree>
     <p:extLst>
       <p:ext uri="{BB962C8B-B14F-4D97-AF65-F5344CB8AC3E}">

--- a/1/세미나발표.pptx
+++ b/1/세미나발표.pptx
@@ -208,7 +208,7 @@
           <a:p>
             <a:fld id="{4FC74EEF-E0FB-4370-B80C-560C50B0EB2F}" type="datetimeFigureOut">
               <a:rPr lang="ko-KR" altLang="en-US" smtClean="0"/>
-              <a:t>2025-02-24</a:t>
+              <a:t>2025-03-07</a:t>
             </a:fld>
             <a:endParaRPr lang="ko-KR" altLang="en-US"/>
           </a:p>
@@ -706,7 +706,7 @@
           <a:p>
             <a:fld id="{E3D836C9-B050-46B7-92B7-BD666DF6424E}" type="datetimeFigureOut">
               <a:rPr lang="ko-KR" altLang="en-US" smtClean="0"/>
-              <a:t>2025-02-24</a:t>
+              <a:t>2025-03-07</a:t>
             </a:fld>
             <a:endParaRPr lang="ko-KR" altLang="en-US"/>
           </a:p>
@@ -904,7 +904,7 @@
           <a:p>
             <a:fld id="{E3D836C9-B050-46B7-92B7-BD666DF6424E}" type="datetimeFigureOut">
               <a:rPr lang="ko-KR" altLang="en-US" smtClean="0"/>
-              <a:t>2025-02-24</a:t>
+              <a:t>2025-03-07</a:t>
             </a:fld>
             <a:endParaRPr lang="ko-KR" altLang="en-US"/>
           </a:p>
@@ -1112,7 +1112,7 @@
           <a:p>
             <a:fld id="{E3D836C9-B050-46B7-92B7-BD666DF6424E}" type="datetimeFigureOut">
               <a:rPr lang="ko-KR" altLang="en-US" smtClean="0"/>
-              <a:t>2025-02-24</a:t>
+              <a:t>2025-03-07</a:t>
             </a:fld>
             <a:endParaRPr lang="ko-KR" altLang="en-US"/>
           </a:p>
@@ -1310,7 +1310,7 @@
           <a:p>
             <a:fld id="{E3D836C9-B050-46B7-92B7-BD666DF6424E}" type="datetimeFigureOut">
               <a:rPr lang="ko-KR" altLang="en-US" smtClean="0"/>
-              <a:t>2025-02-24</a:t>
+              <a:t>2025-03-07</a:t>
             </a:fld>
             <a:endParaRPr lang="ko-KR" altLang="en-US"/>
           </a:p>
@@ -1585,7 +1585,7 @@
           <a:p>
             <a:fld id="{E3D836C9-B050-46B7-92B7-BD666DF6424E}" type="datetimeFigureOut">
               <a:rPr lang="ko-KR" altLang="en-US" smtClean="0"/>
-              <a:t>2025-02-24</a:t>
+              <a:t>2025-03-07</a:t>
             </a:fld>
             <a:endParaRPr lang="ko-KR" altLang="en-US"/>
           </a:p>
@@ -1850,7 +1850,7 @@
           <a:p>
             <a:fld id="{E3D836C9-B050-46B7-92B7-BD666DF6424E}" type="datetimeFigureOut">
               <a:rPr lang="ko-KR" altLang="en-US" smtClean="0"/>
-              <a:t>2025-02-24</a:t>
+              <a:t>2025-03-07</a:t>
             </a:fld>
             <a:endParaRPr lang="ko-KR" altLang="en-US"/>
           </a:p>
@@ -2262,7 +2262,7 @@
           <a:p>
             <a:fld id="{E3D836C9-B050-46B7-92B7-BD666DF6424E}" type="datetimeFigureOut">
               <a:rPr lang="ko-KR" altLang="en-US" smtClean="0"/>
-              <a:t>2025-02-24</a:t>
+              <a:t>2025-03-07</a:t>
             </a:fld>
             <a:endParaRPr lang="ko-KR" altLang="en-US"/>
           </a:p>
@@ -2403,7 +2403,7 @@
           <a:p>
             <a:fld id="{E3D836C9-B050-46B7-92B7-BD666DF6424E}" type="datetimeFigureOut">
               <a:rPr lang="ko-KR" altLang="en-US" smtClean="0"/>
-              <a:t>2025-02-24</a:t>
+              <a:t>2025-03-07</a:t>
             </a:fld>
             <a:endParaRPr lang="ko-KR" altLang="en-US"/>
           </a:p>
@@ -2516,7 +2516,7 @@
           <a:p>
             <a:fld id="{E3D836C9-B050-46B7-92B7-BD666DF6424E}" type="datetimeFigureOut">
               <a:rPr lang="ko-KR" altLang="en-US" smtClean="0"/>
-              <a:t>2025-02-24</a:t>
+              <a:t>2025-03-07</a:t>
             </a:fld>
             <a:endParaRPr lang="ko-KR" altLang="en-US"/>
           </a:p>
@@ -2827,7 +2827,7 @@
           <a:p>
             <a:fld id="{E3D836C9-B050-46B7-92B7-BD666DF6424E}" type="datetimeFigureOut">
               <a:rPr lang="ko-KR" altLang="en-US" smtClean="0"/>
-              <a:t>2025-02-24</a:t>
+              <a:t>2025-03-07</a:t>
             </a:fld>
             <a:endParaRPr lang="ko-KR" altLang="en-US"/>
           </a:p>
@@ -3115,7 +3115,7 @@
           <a:p>
             <a:fld id="{E3D836C9-B050-46B7-92B7-BD666DF6424E}" type="datetimeFigureOut">
               <a:rPr lang="ko-KR" altLang="en-US" smtClean="0"/>
-              <a:t>2025-02-24</a:t>
+              <a:t>2025-03-07</a:t>
             </a:fld>
             <a:endParaRPr lang="ko-KR" altLang="en-US"/>
           </a:p>
@@ -3356,7 +3356,7 @@
           <a:p>
             <a:fld id="{E3D836C9-B050-46B7-92B7-BD666DF6424E}" type="datetimeFigureOut">
               <a:rPr lang="ko-KR" altLang="en-US" smtClean="0"/>
-              <a:t>2025-02-24</a:t>
+              <a:t>2025-03-07</a:t>
             </a:fld>
             <a:endParaRPr lang="ko-KR" altLang="en-US"/>
           </a:p>

--- a/1/세미나발표.pptx
+++ b/1/세미나발표.pptx
@@ -5,7 +5,7 @@
     <p:sldMasterId id="2147483648" r:id="rId1"/>
   </p:sldMasterIdLst>
   <p:notesMasterIdLst>
-    <p:notesMasterId r:id="rId14"/>
+    <p:notesMasterId r:id="rId24"/>
   </p:notesMasterIdLst>
   <p:sldIdLst>
     <p:sldId id="256" r:id="rId2"/>
@@ -16,10 +16,20 @@
     <p:sldId id="261" r:id="rId7"/>
     <p:sldId id="262" r:id="rId8"/>
     <p:sldId id="263" r:id="rId9"/>
-    <p:sldId id="264" r:id="rId10"/>
-    <p:sldId id="265" r:id="rId11"/>
-    <p:sldId id="266" r:id="rId12"/>
-    <p:sldId id="267" r:id="rId13"/>
+    <p:sldId id="278" r:id="rId10"/>
+    <p:sldId id="277" r:id="rId11"/>
+    <p:sldId id="275" r:id="rId12"/>
+    <p:sldId id="276" r:id="rId13"/>
+    <p:sldId id="264" r:id="rId14"/>
+    <p:sldId id="265" r:id="rId15"/>
+    <p:sldId id="266" r:id="rId16"/>
+    <p:sldId id="268" r:id="rId17"/>
+    <p:sldId id="269" r:id="rId18"/>
+    <p:sldId id="270" r:id="rId19"/>
+    <p:sldId id="271" r:id="rId20"/>
+    <p:sldId id="272" r:id="rId21"/>
+    <p:sldId id="273" r:id="rId22"/>
+    <p:sldId id="267" r:id="rId23"/>
   </p:sldIdLst>
   <p:sldSz cx="12192000" cy="6858000"/>
   <p:notesSz cx="6858000" cy="9144000"/>
@@ -519,7 +529,7 @@
           <a:bodyPr/>
           <a:lstStyle/>
           <a:p>
-            <a:endParaRPr lang="ko-KR" altLang="en-US" dirty="0"/>
+            <a:endParaRPr lang="ko-KR" altLang="en-US"/>
           </a:p>
         </p:txBody>
       </p:sp>
@@ -3797,14 +3807,14 @@
           <a:lstStyle/>
           <a:p>
             <a:r>
-              <a:rPr lang="en-US" altLang="ko-KR" sz="3200" dirty="0" err="1"/>
+              <a:rPr lang="en-US" altLang="ko-KR" sz="3200" err="1"/>
               <a:t>pFedMoE</a:t>
             </a:r>
             <a:r>
-              <a:rPr lang="en-US" altLang="ko-KR" sz="3200" dirty="0"/>
+              <a:rPr lang="en-US" altLang="ko-KR" sz="3200"/>
               <a:t>: Data-Level Personalization with Mixture of Experts for Model-Heterogeneous Personalized Federated Learning</a:t>
             </a:r>
-            <a:endParaRPr lang="ko-KR" altLang="en-US" sz="3200" dirty="0"/>
+            <a:endParaRPr lang="ko-KR" altLang="en-US" sz="3200"/>
           </a:p>
         </p:txBody>
       </p:sp>
@@ -3843,7 +3853,7 @@
           <p:cNvPr id="2" name="제목 1">
             <a:extLst>
               <a:ext uri="{FF2B5EF4-FFF2-40B4-BE49-F238E27FC236}">
-                <a16:creationId xmlns:a16="http://schemas.microsoft.com/office/drawing/2014/main" id="{C0A22C06-84B1-DA9B-12A8-BD950AAB2A40}"/>
+                <a16:creationId xmlns:a16="http://schemas.microsoft.com/office/drawing/2014/main" id="{0E745AAE-EA80-6568-EA17-F3421E257884}"/>
               </a:ext>
             </a:extLst>
           </p:cNvPr>
@@ -3854,23 +3864,58 @@
             <p:ph type="title"/>
           </p:nvPr>
         </p:nvSpPr>
-        <p:spPr/>
+        <p:spPr>
+          <a:xfrm>
+            <a:off x="128080" y="112206"/>
+            <a:ext cx="10515600" cy="1325563"/>
+          </a:xfrm>
+        </p:spPr>
         <p:txBody>
           <a:bodyPr/>
           <a:lstStyle/>
           <a:p>
             <a:r>
-              <a:rPr lang="en-US" altLang="ko-KR" dirty="0"/>
-              <a:t>Experiment Setup</a:t>
-            </a:r>
-            <a:endParaRPr lang="ko-KR" altLang="en-US" dirty="0"/>
-          </a:p>
-        </p:txBody>
-      </p:sp>
+              <a:rPr lang="en-US" altLang="ko-KR"/>
+              <a:t>Gating</a:t>
+            </a:r>
+            <a:endParaRPr lang="ko-KR" altLang="en-US"/>
+          </a:p>
+        </p:txBody>
+      </p:sp>
+      <p:pic>
+        <p:nvPicPr>
+          <p:cNvPr id="5" name="그림 4">
+            <a:extLst>
+              <a:ext uri="{FF2B5EF4-FFF2-40B4-BE49-F238E27FC236}">
+                <a16:creationId xmlns:a16="http://schemas.microsoft.com/office/drawing/2014/main" id="{C5C60FF8-98F5-821F-88B2-FCC9B6EE0F4B}"/>
+              </a:ext>
+            </a:extLst>
+          </p:cNvPr>
+          <p:cNvPicPr>
+            <a:picLocks noChangeAspect="1"/>
+          </p:cNvPicPr>
+          <p:nvPr/>
+        </p:nvPicPr>
+        <p:blipFill>
+          <a:blip r:embed="rId2"/>
+          <a:stretch>
+            <a:fillRect/>
+          </a:stretch>
+        </p:blipFill>
+        <p:spPr>
+          <a:xfrm>
+            <a:off x="1599164" y="1356340"/>
+            <a:ext cx="7573432" cy="857370"/>
+          </a:xfrm>
+          <a:prstGeom prst="rect">
+            <a:avLst/>
+          </a:prstGeom>
+        </p:spPr>
+      </p:pic>
     </p:spTree>
     <p:extLst>
       <p:ext uri="{BB962C8B-B14F-4D97-AF65-F5344CB8AC3E}">
-        <p14:creationId xmlns:p14="http://schemas.microsoft.com/office/powerpoint/2010/main" val="3657618755"/>
+        <p14:creationId xmlns:p14="http://schemas.microsoft.com/office/powerpoint/2010/main" val="4010153340"/>
       </p:ext>
     </p:extLst>
   </p:cSld>
@@ -3881,6 +3926,870 @@
 </file>
 
 <file path=ppt/slides/slide11.xml><?xml version="1.0" encoding="utf-8"?>
+<p:sld xmlns:a="http://schemas.openxmlformats.org/drawingml/2006/main" xmlns:r="http://schemas.openxmlformats.org/officeDocument/2006/relationships" xmlns:p="http://schemas.openxmlformats.org/presentationml/2006/main">
+  <p:cSld>
+    <p:spTree>
+      <p:nvGrpSpPr>
+        <p:cNvPr id="1" name="">
+          <a:extLst>
+            <a:ext uri="{FF2B5EF4-FFF2-40B4-BE49-F238E27FC236}">
+              <a16:creationId xmlns:a16="http://schemas.microsoft.com/office/drawing/2014/main" id="{F6F4698A-AC0B-8BAC-AD18-5430ECD81AA5}"/>
+            </a:ext>
+          </a:extLst>
+        </p:cNvPr>
+        <p:cNvGrpSpPr/>
+        <p:nvPr/>
+      </p:nvGrpSpPr>
+      <p:grpSpPr>
+        <a:xfrm>
+          <a:off x="0" y="0"/>
+          <a:ext cx="0" cy="0"/>
+          <a:chOff x="0" y="0"/>
+          <a:chExt cx="0" cy="0"/>
+        </a:xfrm>
+      </p:grpSpPr>
+      <p:sp>
+        <p:nvSpPr>
+          <p:cNvPr id="2" name="제목 1">
+            <a:extLst>
+              <a:ext uri="{FF2B5EF4-FFF2-40B4-BE49-F238E27FC236}">
+                <a16:creationId xmlns:a16="http://schemas.microsoft.com/office/drawing/2014/main" id="{0F4AAF0E-BD0F-3841-204C-B1E327F27B2A}"/>
+              </a:ext>
+            </a:extLst>
+          </p:cNvPr>
+          <p:cNvSpPr>
+            <a:spLocks noGrp="1"/>
+          </p:cNvSpPr>
+          <p:nvPr>
+            <p:ph type="title"/>
+          </p:nvPr>
+        </p:nvSpPr>
+        <p:spPr>
+          <a:xfrm>
+            <a:off x="312906" y="150673"/>
+            <a:ext cx="10515600" cy="1325563"/>
+          </a:xfrm>
+        </p:spPr>
+        <p:txBody>
+          <a:bodyPr/>
+          <a:lstStyle/>
+          <a:p>
+            <a:r>
+              <a:rPr lang="en-US" altLang="ko-KR" err="1"/>
+              <a:t>pFedMoE</a:t>
+            </a:r>
+            <a:endParaRPr lang="ko-KR" altLang="en-US"/>
+          </a:p>
+        </p:txBody>
+      </p:sp>
+      <p:pic>
+        <p:nvPicPr>
+          <p:cNvPr id="5" name="그림 4">
+            <a:extLst>
+              <a:ext uri="{FF2B5EF4-FFF2-40B4-BE49-F238E27FC236}">
+                <a16:creationId xmlns:a16="http://schemas.microsoft.com/office/drawing/2014/main" id="{9CE68F16-C463-DBDF-FE48-EBE6D2610CCE}"/>
+              </a:ext>
+            </a:extLst>
+          </p:cNvPr>
+          <p:cNvPicPr>
+            <a:picLocks noChangeAspect="1"/>
+          </p:cNvPicPr>
+          <p:nvPr/>
+        </p:nvPicPr>
+        <p:blipFill>
+          <a:blip r:embed="rId2"/>
+          <a:srcRect l="1516"/>
+          <a:stretch/>
+        </p:blipFill>
+        <p:spPr>
+          <a:xfrm>
+            <a:off x="92413" y="2683289"/>
+            <a:ext cx="12007174" cy="1491421"/>
+          </a:xfrm>
+          <a:prstGeom prst="rect">
+            <a:avLst/>
+          </a:prstGeom>
+        </p:spPr>
+      </p:pic>
+      <p:grpSp>
+        <p:nvGrpSpPr>
+          <p:cNvPr id="13" name="그룹 12">
+            <a:extLst>
+              <a:ext uri="{FF2B5EF4-FFF2-40B4-BE49-F238E27FC236}">
+                <a16:creationId xmlns:a16="http://schemas.microsoft.com/office/drawing/2014/main" id="{CB80ED5A-975E-3051-0153-6A85870A070E}"/>
+              </a:ext>
+            </a:extLst>
+          </p:cNvPr>
+          <p:cNvGrpSpPr/>
+          <p:nvPr/>
+        </p:nvGrpSpPr>
+        <p:grpSpPr>
+          <a:xfrm>
+            <a:off x="2505196" y="3797515"/>
+            <a:ext cx="1011677" cy="1682885"/>
+            <a:chOff x="2733473" y="3881336"/>
+            <a:chExt cx="1011677" cy="1682885"/>
+          </a:xfrm>
+        </p:grpSpPr>
+        <p:sp>
+          <p:nvSpPr>
+            <p:cNvPr id="9" name="화살표: 위쪽 8">
+              <a:extLst>
+                <a:ext uri="{FF2B5EF4-FFF2-40B4-BE49-F238E27FC236}">
+                  <a16:creationId xmlns:a16="http://schemas.microsoft.com/office/drawing/2014/main" id="{306BF5EE-4564-F1BC-C23F-4A2A7DB0E851}"/>
+                </a:ext>
+              </a:extLst>
+            </p:cNvPr>
+            <p:cNvSpPr/>
+            <p:nvPr/>
+          </p:nvSpPr>
+          <p:spPr>
+            <a:xfrm>
+              <a:off x="3083668" y="3881336"/>
+              <a:ext cx="301558" cy="865762"/>
+            </a:xfrm>
+            <a:prstGeom prst="upArrow">
+              <a:avLst>
+                <a:gd name="adj1" fmla="val 30645"/>
+                <a:gd name="adj2" fmla="val 72580"/>
+              </a:avLst>
+            </a:prstGeom>
+            <a:solidFill>
+              <a:srgbClr val="FFFF00"/>
+            </a:solidFill>
+            <a:ln>
+              <a:solidFill>
+                <a:schemeClr val="tx1"/>
+              </a:solidFill>
+            </a:ln>
+          </p:spPr>
+          <p:style>
+            <a:lnRef idx="2">
+              <a:schemeClr val="accent1">
+                <a:shade val="15000"/>
+              </a:schemeClr>
+            </a:lnRef>
+            <a:fillRef idx="1">
+              <a:schemeClr val="accent1"/>
+            </a:fillRef>
+            <a:effectRef idx="0">
+              <a:schemeClr val="accent1"/>
+            </a:effectRef>
+            <a:fontRef idx="minor">
+              <a:schemeClr val="lt1"/>
+            </a:fontRef>
+          </p:style>
+          <p:txBody>
+            <a:bodyPr rtlCol="0" anchor="ctr"/>
+            <a:lstStyle/>
+            <a:p>
+              <a:pPr algn="ctr"/>
+              <a:endParaRPr lang="ko-KR" altLang="en-US"/>
+            </a:p>
+          </p:txBody>
+        </p:sp>
+        <p:sp>
+          <p:nvSpPr>
+            <p:cNvPr id="10" name="사각형: 둥근 모서리 9">
+              <a:extLst>
+                <a:ext uri="{FF2B5EF4-FFF2-40B4-BE49-F238E27FC236}">
+                  <a16:creationId xmlns:a16="http://schemas.microsoft.com/office/drawing/2014/main" id="{536ACC28-1012-2F7F-CE42-5D2F629932FF}"/>
+                </a:ext>
+              </a:extLst>
+            </p:cNvPr>
+            <p:cNvSpPr/>
+            <p:nvPr/>
+          </p:nvSpPr>
+          <p:spPr>
+            <a:xfrm>
+              <a:off x="2733473" y="4863830"/>
+              <a:ext cx="1011677" cy="700391"/>
+            </a:xfrm>
+            <a:prstGeom prst="roundRect">
+              <a:avLst/>
+            </a:prstGeom>
+            <a:solidFill>
+              <a:schemeClr val="bg1"/>
+            </a:solidFill>
+            <a:ln>
+              <a:solidFill>
+                <a:schemeClr val="tx1"/>
+              </a:solidFill>
+            </a:ln>
+          </p:spPr>
+          <p:style>
+            <a:lnRef idx="2">
+              <a:schemeClr val="accent1">
+                <a:shade val="15000"/>
+              </a:schemeClr>
+            </a:lnRef>
+            <a:fillRef idx="1">
+              <a:schemeClr val="accent1"/>
+            </a:fillRef>
+            <a:effectRef idx="0">
+              <a:schemeClr val="accent1"/>
+            </a:effectRef>
+            <a:fontRef idx="minor">
+              <a:schemeClr val="lt1"/>
+            </a:fontRef>
+          </p:style>
+          <p:txBody>
+            <a:bodyPr rtlCol="0" anchor="ctr"/>
+            <a:lstStyle/>
+            <a:p>
+              <a:pPr algn="ctr"/>
+              <a:r>
+                <a:rPr lang="en-US" altLang="ko-KR">
+                  <a:ln>
+                    <a:solidFill>
+                      <a:sysClr val="windowText" lastClr="000000"/>
+                    </a:solidFill>
+                  </a:ln>
+                  <a:solidFill>
+                    <a:sysClr val="windowText" lastClr="000000"/>
+                  </a:solidFill>
+                </a:rPr>
+                <a:t>local header </a:t>
+              </a:r>
+              <a:endParaRPr lang="ko-KR" altLang="en-US">
+                <a:ln>
+                  <a:solidFill>
+                    <a:sysClr val="windowText" lastClr="000000"/>
+                  </a:solidFill>
+                </a:ln>
+                <a:solidFill>
+                  <a:sysClr val="windowText" lastClr="000000"/>
+                </a:solidFill>
+              </a:endParaRPr>
+            </a:p>
+          </p:txBody>
+        </p:sp>
+      </p:grpSp>
+      <p:grpSp>
+        <p:nvGrpSpPr>
+          <p:cNvPr id="14" name="그룹 13">
+            <a:extLst>
+              <a:ext uri="{FF2B5EF4-FFF2-40B4-BE49-F238E27FC236}">
+                <a16:creationId xmlns:a16="http://schemas.microsoft.com/office/drawing/2014/main" id="{3A41C88E-CA19-A6F5-E6C7-73F785ADF2E3}"/>
+              </a:ext>
+            </a:extLst>
+          </p:cNvPr>
+          <p:cNvGrpSpPr/>
+          <p:nvPr/>
+        </p:nvGrpSpPr>
+        <p:grpSpPr>
+          <a:xfrm flipV="1">
+            <a:off x="3516873" y="1357371"/>
+            <a:ext cx="1181912" cy="1691068"/>
+            <a:chOff x="4118853" y="3873152"/>
+            <a:chExt cx="1181912" cy="1691068"/>
+          </a:xfrm>
+        </p:grpSpPr>
+        <p:sp>
+          <p:nvSpPr>
+            <p:cNvPr id="11" name="화살표: 위쪽 10">
+              <a:extLst>
+                <a:ext uri="{FF2B5EF4-FFF2-40B4-BE49-F238E27FC236}">
+                  <a16:creationId xmlns:a16="http://schemas.microsoft.com/office/drawing/2014/main" id="{B3C15616-B9EE-CAF0-3811-C79F2F2A7618}"/>
+                </a:ext>
+              </a:extLst>
+            </p:cNvPr>
+            <p:cNvSpPr/>
+            <p:nvPr/>
+          </p:nvSpPr>
+          <p:spPr>
+            <a:xfrm>
+              <a:off x="4559030" y="3873152"/>
+              <a:ext cx="301558" cy="865762"/>
+            </a:xfrm>
+            <a:prstGeom prst="upArrow">
+              <a:avLst>
+                <a:gd name="adj1" fmla="val 30645"/>
+                <a:gd name="adj2" fmla="val 72580"/>
+              </a:avLst>
+            </a:prstGeom>
+            <a:solidFill>
+              <a:srgbClr val="FFFF00"/>
+            </a:solidFill>
+            <a:ln>
+              <a:solidFill>
+                <a:schemeClr val="tx1"/>
+              </a:solidFill>
+            </a:ln>
+          </p:spPr>
+          <p:style>
+            <a:lnRef idx="2">
+              <a:schemeClr val="accent1">
+                <a:shade val="15000"/>
+              </a:schemeClr>
+            </a:lnRef>
+            <a:fillRef idx="1">
+              <a:schemeClr val="accent1"/>
+            </a:fillRef>
+            <a:effectRef idx="0">
+              <a:schemeClr val="accent1"/>
+            </a:effectRef>
+            <a:fontRef idx="minor">
+              <a:schemeClr val="lt1"/>
+            </a:fontRef>
+          </p:style>
+          <p:txBody>
+            <a:bodyPr rtlCol="0" anchor="ctr"/>
+            <a:lstStyle/>
+            <a:p>
+              <a:pPr algn="ctr"/>
+              <a:endParaRPr lang="ko-KR" altLang="en-US"/>
+            </a:p>
+          </p:txBody>
+        </p:sp>
+        <p:sp>
+          <p:nvSpPr>
+            <p:cNvPr id="12" name="사각형: 둥근 모서리 11">
+              <a:extLst>
+                <a:ext uri="{FF2B5EF4-FFF2-40B4-BE49-F238E27FC236}">
+                  <a16:creationId xmlns:a16="http://schemas.microsoft.com/office/drawing/2014/main" id="{108635AA-BF2B-40F9-350E-94F9B8B794E4}"/>
+                </a:ext>
+              </a:extLst>
+            </p:cNvPr>
+            <p:cNvSpPr/>
+            <p:nvPr/>
+          </p:nvSpPr>
+          <p:spPr>
+            <a:xfrm flipV="1">
+              <a:off x="4118853" y="4863829"/>
+              <a:ext cx="1181912" cy="700391"/>
+            </a:xfrm>
+            <a:prstGeom prst="roundRect">
+              <a:avLst/>
+            </a:prstGeom>
+            <a:solidFill>
+              <a:schemeClr val="bg1"/>
+            </a:solidFill>
+            <a:ln>
+              <a:solidFill>
+                <a:schemeClr val="tx1"/>
+              </a:solidFill>
+            </a:ln>
+          </p:spPr>
+          <p:style>
+            <a:lnRef idx="2">
+              <a:schemeClr val="accent1">
+                <a:shade val="15000"/>
+              </a:schemeClr>
+            </a:lnRef>
+            <a:fillRef idx="1">
+              <a:schemeClr val="accent1"/>
+            </a:fillRef>
+            <a:effectRef idx="0">
+              <a:schemeClr val="accent1"/>
+            </a:effectRef>
+            <a:fontRef idx="minor">
+              <a:schemeClr val="lt1"/>
+            </a:fontRef>
+          </p:style>
+          <p:txBody>
+            <a:bodyPr rtlCol="0" anchor="ctr"/>
+            <a:lstStyle/>
+            <a:p>
+              <a:pPr algn="ctr"/>
+              <a:r>
+                <a:rPr lang="en-US" altLang="ko-KR">
+                  <a:ln>
+                    <a:solidFill>
+                      <a:sysClr val="windowText" lastClr="000000"/>
+                    </a:solidFill>
+                  </a:ln>
+                  <a:solidFill>
+                    <a:sysClr val="windowText" lastClr="000000"/>
+                  </a:solidFill>
+                </a:rPr>
+                <a:t>homo </a:t>
+              </a:r>
+            </a:p>
+            <a:p>
+              <a:pPr algn="ctr"/>
+              <a:r>
+                <a:rPr lang="en-US" altLang="ko-KR">
+                  <a:ln>
+                    <a:solidFill>
+                      <a:sysClr val="windowText" lastClr="000000"/>
+                    </a:solidFill>
+                  </a:ln>
+                  <a:solidFill>
+                    <a:sysClr val="windowText" lastClr="000000"/>
+                  </a:solidFill>
+                </a:rPr>
+                <a:t>extracter </a:t>
+              </a:r>
+              <a:endParaRPr lang="ko-KR" altLang="en-US">
+                <a:ln>
+                  <a:solidFill>
+                    <a:sysClr val="windowText" lastClr="000000"/>
+                  </a:solidFill>
+                </a:ln>
+                <a:solidFill>
+                  <a:sysClr val="windowText" lastClr="000000"/>
+                </a:solidFill>
+              </a:endParaRPr>
+            </a:p>
+          </p:txBody>
+        </p:sp>
+      </p:grpSp>
+      <p:grpSp>
+        <p:nvGrpSpPr>
+          <p:cNvPr id="15" name="그룹 14">
+            <a:extLst>
+              <a:ext uri="{FF2B5EF4-FFF2-40B4-BE49-F238E27FC236}">
+                <a16:creationId xmlns:a16="http://schemas.microsoft.com/office/drawing/2014/main" id="{9D062F9F-A210-E164-CCA1-8F375B4CB048}"/>
+              </a:ext>
+            </a:extLst>
+          </p:cNvPr>
+          <p:cNvGrpSpPr/>
+          <p:nvPr/>
+        </p:nvGrpSpPr>
+        <p:grpSpPr>
+          <a:xfrm>
+            <a:off x="5554493" y="3789332"/>
+            <a:ext cx="1181912" cy="1691068"/>
+            <a:chOff x="4118853" y="3873152"/>
+            <a:chExt cx="1181912" cy="1691068"/>
+          </a:xfrm>
+        </p:grpSpPr>
+        <p:sp>
+          <p:nvSpPr>
+            <p:cNvPr id="16" name="화살표: 위쪽 15">
+              <a:extLst>
+                <a:ext uri="{FF2B5EF4-FFF2-40B4-BE49-F238E27FC236}">
+                  <a16:creationId xmlns:a16="http://schemas.microsoft.com/office/drawing/2014/main" id="{1E063CB8-48A8-B4FF-E09B-7EFA8447F97E}"/>
+                </a:ext>
+              </a:extLst>
+            </p:cNvPr>
+            <p:cNvSpPr/>
+            <p:nvPr/>
+          </p:nvSpPr>
+          <p:spPr>
+            <a:xfrm>
+              <a:off x="4559030" y="3873152"/>
+              <a:ext cx="301558" cy="865762"/>
+            </a:xfrm>
+            <a:prstGeom prst="upArrow">
+              <a:avLst>
+                <a:gd name="adj1" fmla="val 30645"/>
+                <a:gd name="adj2" fmla="val 72580"/>
+              </a:avLst>
+            </a:prstGeom>
+            <a:solidFill>
+              <a:srgbClr val="FFFF00"/>
+            </a:solidFill>
+            <a:ln>
+              <a:solidFill>
+                <a:schemeClr val="tx1"/>
+              </a:solidFill>
+            </a:ln>
+          </p:spPr>
+          <p:style>
+            <a:lnRef idx="2">
+              <a:schemeClr val="accent1">
+                <a:shade val="15000"/>
+              </a:schemeClr>
+            </a:lnRef>
+            <a:fillRef idx="1">
+              <a:schemeClr val="accent1"/>
+            </a:fillRef>
+            <a:effectRef idx="0">
+              <a:schemeClr val="accent1"/>
+            </a:effectRef>
+            <a:fontRef idx="minor">
+              <a:schemeClr val="lt1"/>
+            </a:fontRef>
+          </p:style>
+          <p:txBody>
+            <a:bodyPr rtlCol="0" anchor="ctr"/>
+            <a:lstStyle/>
+            <a:p>
+              <a:pPr algn="ctr"/>
+              <a:endParaRPr lang="ko-KR" altLang="en-US"/>
+            </a:p>
+          </p:txBody>
+        </p:sp>
+        <p:sp>
+          <p:nvSpPr>
+            <p:cNvPr id="17" name="사각형: 둥근 모서리 16">
+              <a:extLst>
+                <a:ext uri="{FF2B5EF4-FFF2-40B4-BE49-F238E27FC236}">
+                  <a16:creationId xmlns:a16="http://schemas.microsoft.com/office/drawing/2014/main" id="{9476C8E0-205E-B228-AF38-9B0B9E5DBFD3}"/>
+                </a:ext>
+              </a:extLst>
+            </p:cNvPr>
+            <p:cNvSpPr/>
+            <p:nvPr/>
+          </p:nvSpPr>
+          <p:spPr>
+            <a:xfrm>
+              <a:off x="4118853" y="4863829"/>
+              <a:ext cx="1181912" cy="700391"/>
+            </a:xfrm>
+            <a:prstGeom prst="roundRect">
+              <a:avLst/>
+            </a:prstGeom>
+            <a:solidFill>
+              <a:schemeClr val="bg1"/>
+            </a:solidFill>
+            <a:ln>
+              <a:solidFill>
+                <a:schemeClr val="tx1"/>
+              </a:solidFill>
+            </a:ln>
+          </p:spPr>
+          <p:style>
+            <a:lnRef idx="2">
+              <a:schemeClr val="accent1">
+                <a:shade val="15000"/>
+              </a:schemeClr>
+            </a:lnRef>
+            <a:fillRef idx="1">
+              <a:schemeClr val="accent1"/>
+            </a:fillRef>
+            <a:effectRef idx="0">
+              <a:schemeClr val="accent1"/>
+            </a:effectRef>
+            <a:fontRef idx="minor">
+              <a:schemeClr val="lt1"/>
+            </a:fontRef>
+          </p:style>
+          <p:txBody>
+            <a:bodyPr rtlCol="0" anchor="ctr"/>
+            <a:lstStyle/>
+            <a:p>
+              <a:pPr algn="ctr"/>
+              <a:r>
+                <a:rPr lang="en-US" altLang="ko-KR">
+                  <a:ln>
+                    <a:solidFill>
+                      <a:sysClr val="windowText" lastClr="000000"/>
+                    </a:solidFill>
+                  </a:ln>
+                  <a:solidFill>
+                    <a:sysClr val="windowText" lastClr="000000"/>
+                  </a:solidFill>
+                </a:rPr>
+                <a:t>hetero </a:t>
+              </a:r>
+            </a:p>
+            <a:p>
+              <a:pPr algn="ctr"/>
+              <a:r>
+                <a:rPr lang="en-US" altLang="ko-KR">
+                  <a:ln>
+                    <a:solidFill>
+                      <a:sysClr val="windowText" lastClr="000000"/>
+                    </a:solidFill>
+                  </a:ln>
+                  <a:solidFill>
+                    <a:sysClr val="windowText" lastClr="000000"/>
+                  </a:solidFill>
+                </a:rPr>
+                <a:t>extracter </a:t>
+              </a:r>
+              <a:endParaRPr lang="ko-KR" altLang="en-US">
+                <a:ln>
+                  <a:solidFill>
+                    <a:sysClr val="windowText" lastClr="000000"/>
+                  </a:solidFill>
+                </a:ln>
+                <a:solidFill>
+                  <a:sysClr val="windowText" lastClr="000000"/>
+                </a:solidFill>
+              </a:endParaRPr>
+            </a:p>
+          </p:txBody>
+        </p:sp>
+      </p:grpSp>
+      <p:grpSp>
+        <p:nvGrpSpPr>
+          <p:cNvPr id="18" name="그룹 17">
+            <a:extLst>
+              <a:ext uri="{FF2B5EF4-FFF2-40B4-BE49-F238E27FC236}">
+                <a16:creationId xmlns:a16="http://schemas.microsoft.com/office/drawing/2014/main" id="{607BE29D-AD46-9C25-A66A-746E170BC3FB}"/>
+              </a:ext>
+            </a:extLst>
+          </p:cNvPr>
+          <p:cNvGrpSpPr/>
+          <p:nvPr/>
+        </p:nvGrpSpPr>
+        <p:grpSpPr>
+          <a:xfrm>
+            <a:off x="8237218" y="3690695"/>
+            <a:ext cx="1181912" cy="1691068"/>
+            <a:chOff x="4118853" y="3873152"/>
+            <a:chExt cx="1181912" cy="1691068"/>
+          </a:xfrm>
+        </p:grpSpPr>
+        <p:sp>
+          <p:nvSpPr>
+            <p:cNvPr id="19" name="화살표: 위쪽 18">
+              <a:extLst>
+                <a:ext uri="{FF2B5EF4-FFF2-40B4-BE49-F238E27FC236}">
+                  <a16:creationId xmlns:a16="http://schemas.microsoft.com/office/drawing/2014/main" id="{B0BED208-5F9F-05DD-2D4E-40DA53F676A0}"/>
+                </a:ext>
+              </a:extLst>
+            </p:cNvPr>
+            <p:cNvSpPr/>
+            <p:nvPr/>
+          </p:nvSpPr>
+          <p:spPr>
+            <a:xfrm>
+              <a:off x="4559030" y="3873152"/>
+              <a:ext cx="301558" cy="865762"/>
+            </a:xfrm>
+            <a:prstGeom prst="upArrow">
+              <a:avLst>
+                <a:gd name="adj1" fmla="val 30645"/>
+                <a:gd name="adj2" fmla="val 72580"/>
+              </a:avLst>
+            </a:prstGeom>
+            <a:solidFill>
+              <a:srgbClr val="FFFF00"/>
+            </a:solidFill>
+            <a:ln>
+              <a:solidFill>
+                <a:schemeClr val="tx1"/>
+              </a:solidFill>
+            </a:ln>
+          </p:spPr>
+          <p:style>
+            <a:lnRef idx="2">
+              <a:schemeClr val="accent1">
+                <a:shade val="15000"/>
+              </a:schemeClr>
+            </a:lnRef>
+            <a:fillRef idx="1">
+              <a:schemeClr val="accent1"/>
+            </a:fillRef>
+            <a:effectRef idx="0">
+              <a:schemeClr val="accent1"/>
+            </a:effectRef>
+            <a:fontRef idx="minor">
+              <a:schemeClr val="lt1"/>
+            </a:fontRef>
+          </p:style>
+          <p:txBody>
+            <a:bodyPr rtlCol="0" anchor="ctr"/>
+            <a:lstStyle/>
+            <a:p>
+              <a:pPr algn="ctr"/>
+              <a:endParaRPr lang="ko-KR" altLang="en-US"/>
+            </a:p>
+          </p:txBody>
+        </p:sp>
+        <p:sp>
+          <p:nvSpPr>
+            <p:cNvPr id="20" name="사각형: 둥근 모서리 19">
+              <a:extLst>
+                <a:ext uri="{FF2B5EF4-FFF2-40B4-BE49-F238E27FC236}">
+                  <a16:creationId xmlns:a16="http://schemas.microsoft.com/office/drawing/2014/main" id="{C35A4C30-A3AE-A550-F580-621D5D917285}"/>
+                </a:ext>
+              </a:extLst>
+            </p:cNvPr>
+            <p:cNvSpPr/>
+            <p:nvPr/>
+          </p:nvSpPr>
+          <p:spPr>
+            <a:xfrm>
+              <a:off x="4118853" y="4863829"/>
+              <a:ext cx="1181912" cy="700391"/>
+            </a:xfrm>
+            <a:prstGeom prst="roundRect">
+              <a:avLst/>
+            </a:prstGeom>
+            <a:solidFill>
+              <a:schemeClr val="bg1"/>
+            </a:solidFill>
+            <a:ln>
+              <a:solidFill>
+                <a:schemeClr val="tx1"/>
+              </a:solidFill>
+            </a:ln>
+          </p:spPr>
+          <p:style>
+            <a:lnRef idx="2">
+              <a:schemeClr val="accent1">
+                <a:shade val="15000"/>
+              </a:schemeClr>
+            </a:lnRef>
+            <a:fillRef idx="1">
+              <a:schemeClr val="accent1"/>
+            </a:fillRef>
+            <a:effectRef idx="0">
+              <a:schemeClr val="accent1"/>
+            </a:effectRef>
+            <a:fontRef idx="minor">
+              <a:schemeClr val="lt1"/>
+            </a:fontRef>
+          </p:style>
+          <p:txBody>
+            <a:bodyPr rtlCol="0" anchor="ctr"/>
+            <a:lstStyle/>
+            <a:p>
+              <a:pPr algn="ctr"/>
+              <a:r>
+                <a:rPr lang="en-US" altLang="ko-KR">
+                  <a:ln>
+                    <a:solidFill>
+                      <a:sysClr val="windowText" lastClr="000000"/>
+                    </a:solidFill>
+                  </a:ln>
+                  <a:solidFill>
+                    <a:sysClr val="windowText" lastClr="000000"/>
+                  </a:solidFill>
+                </a:rPr>
+                <a:t>gating </a:t>
+              </a:r>
+              <a:endParaRPr lang="ko-KR" altLang="en-US">
+                <a:ln>
+                  <a:solidFill>
+                    <a:sysClr val="windowText" lastClr="000000"/>
+                  </a:solidFill>
+                </a:ln>
+                <a:solidFill>
+                  <a:sysClr val="windowText" lastClr="000000"/>
+                </a:solidFill>
+              </a:endParaRPr>
+            </a:p>
+          </p:txBody>
+        </p:sp>
+      </p:grpSp>
+    </p:spTree>
+    <p:extLst>
+      <p:ext uri="{BB962C8B-B14F-4D97-AF65-F5344CB8AC3E}">
+        <p14:creationId xmlns:p14="http://schemas.microsoft.com/office/powerpoint/2010/main" val="1918144055"/>
+      </p:ext>
+    </p:extLst>
+  </p:cSld>
+  <p:clrMapOvr>
+    <a:masterClrMapping/>
+  </p:clrMapOvr>
+</p:sld>
+</file>
+
+<file path=ppt/slides/slide12.xml><?xml version="1.0" encoding="utf-8"?>
+<p:sld xmlns:a="http://schemas.openxmlformats.org/drawingml/2006/main" xmlns:r="http://schemas.openxmlformats.org/officeDocument/2006/relationships" xmlns:p="http://schemas.openxmlformats.org/presentationml/2006/main">
+  <p:cSld>
+    <p:spTree>
+      <p:nvGrpSpPr>
+        <p:cNvPr id="1" name="">
+          <a:extLst>
+            <a:ext uri="{FF2B5EF4-FFF2-40B4-BE49-F238E27FC236}">
+              <a16:creationId xmlns:a16="http://schemas.microsoft.com/office/drawing/2014/main" id="{7A868F77-942A-1B52-CA6C-819916E3E94A}"/>
+            </a:ext>
+          </a:extLst>
+        </p:cNvPr>
+        <p:cNvGrpSpPr/>
+        <p:nvPr/>
+      </p:nvGrpSpPr>
+      <p:grpSpPr>
+        <a:xfrm>
+          <a:off x="0" y="0"/>
+          <a:ext cx="0" cy="0"/>
+          <a:chOff x="0" y="0"/>
+          <a:chExt cx="0" cy="0"/>
+        </a:xfrm>
+      </p:grpSpPr>
+      <p:grpSp>
+        <p:nvGrpSpPr>
+          <p:cNvPr id="22" name="그룹 21">
+            <a:extLst>
+              <a:ext uri="{FF2B5EF4-FFF2-40B4-BE49-F238E27FC236}">
+                <a16:creationId xmlns:a16="http://schemas.microsoft.com/office/drawing/2014/main" id="{20E79B58-D2DB-B56F-575A-33A1D1A76615}"/>
+              </a:ext>
+            </a:extLst>
+          </p:cNvPr>
+          <p:cNvGrpSpPr/>
+          <p:nvPr/>
+        </p:nvGrpSpPr>
+        <p:grpSpPr>
+          <a:xfrm>
+            <a:off x="1410510" y="320868"/>
+            <a:ext cx="7636212" cy="6216264"/>
+            <a:chOff x="466928" y="780232"/>
+            <a:chExt cx="6731542" cy="5786228"/>
+          </a:xfrm>
+        </p:grpSpPr>
+        <p:pic>
+          <p:nvPicPr>
+            <p:cNvPr id="4" name="그림 3">
+              <a:extLst>
+                <a:ext uri="{FF2B5EF4-FFF2-40B4-BE49-F238E27FC236}">
+                  <a16:creationId xmlns:a16="http://schemas.microsoft.com/office/drawing/2014/main" id="{3F43EA2B-0B47-5725-3FFE-441BB3187CFC}"/>
+                </a:ext>
+              </a:extLst>
+            </p:cNvPr>
+            <p:cNvPicPr>
+              <a:picLocks noChangeAspect="1"/>
+            </p:cNvPicPr>
+            <p:nvPr/>
+          </p:nvPicPr>
+          <p:blipFill>
+            <a:blip r:embed="rId2"/>
+            <a:stretch>
+              <a:fillRect/>
+            </a:stretch>
+          </p:blipFill>
+          <p:spPr>
+            <a:xfrm>
+              <a:off x="525296" y="780232"/>
+              <a:ext cx="6673174" cy="2730809"/>
+            </a:xfrm>
+            <a:prstGeom prst="rect">
+              <a:avLst/>
+            </a:prstGeom>
+          </p:spPr>
+        </p:pic>
+        <p:pic>
+          <p:nvPicPr>
+            <p:cNvPr id="21" name="그림 20">
+              <a:extLst>
+                <a:ext uri="{FF2B5EF4-FFF2-40B4-BE49-F238E27FC236}">
+                  <a16:creationId xmlns:a16="http://schemas.microsoft.com/office/drawing/2014/main" id="{DF43F56F-1FCC-6923-D8FA-96857658827D}"/>
+                </a:ext>
+              </a:extLst>
+            </p:cNvPr>
+            <p:cNvPicPr>
+              <a:picLocks noChangeAspect="1"/>
+            </p:cNvPicPr>
+            <p:nvPr/>
+          </p:nvPicPr>
+          <p:blipFill>
+            <a:blip r:embed="rId3"/>
+            <a:stretch>
+              <a:fillRect/>
+            </a:stretch>
+          </p:blipFill>
+          <p:spPr>
+            <a:xfrm>
+              <a:off x="466928" y="3511041"/>
+              <a:ext cx="3978612" cy="3055419"/>
+            </a:xfrm>
+            <a:prstGeom prst="rect">
+              <a:avLst/>
+            </a:prstGeom>
+          </p:spPr>
+        </p:pic>
+      </p:grpSp>
+    </p:spTree>
+    <p:extLst>
+      <p:ext uri="{BB962C8B-B14F-4D97-AF65-F5344CB8AC3E}">
+        <p14:creationId xmlns:p14="http://schemas.microsoft.com/office/powerpoint/2010/main" val="4275301882"/>
+      </p:ext>
+    </p:extLst>
+  </p:cSld>
+  <p:clrMapOvr>
+    <a:masterClrMapping/>
+  </p:clrMapOvr>
+</p:sld>
+</file>
+
+<file path=ppt/slides/slide13.xml><?xml version="1.0" encoding="utf-8"?>
 <p:sld xmlns:a="http://schemas.openxmlformats.org/drawingml/2006/main" xmlns:r="http://schemas.openxmlformats.org/officeDocument/2006/relationships" xmlns:p="http://schemas.openxmlformats.org/presentationml/2006/main">
   <p:cSld>
     <p:spTree>
@@ -3902,7 +4811,7 @@
           <p:cNvPr id="2" name="제목 1">
             <a:extLst>
               <a:ext uri="{FF2B5EF4-FFF2-40B4-BE49-F238E27FC236}">
-                <a16:creationId xmlns:a16="http://schemas.microsoft.com/office/drawing/2014/main" id="{48F0651E-A9C0-103A-6623-D99004E69C54}"/>
+                <a16:creationId xmlns:a16="http://schemas.microsoft.com/office/drawing/2014/main" id="{CACC4537-F720-7D68-B7BA-370B5FBF3D10}"/>
               </a:ext>
             </a:extLst>
           </p:cNvPr>
@@ -3919,17 +4828,17 @@
           <a:lstStyle/>
           <a:p>
             <a:r>
-              <a:rPr lang="en-US" altLang="ko-KR" dirty="0"/>
-              <a:t>Result</a:t>
-            </a:r>
-            <a:endParaRPr lang="ko-KR" altLang="en-US" dirty="0"/>
+              <a:rPr lang="en-US" altLang="ko-KR"/>
+              <a:t>Analysis</a:t>
+            </a:r>
+            <a:endParaRPr lang="ko-KR" altLang="en-US"/>
           </a:p>
         </p:txBody>
       </p:sp>
     </p:spTree>
     <p:extLst>
       <p:ext uri="{BB962C8B-B14F-4D97-AF65-F5344CB8AC3E}">
-        <p14:creationId xmlns:p14="http://schemas.microsoft.com/office/powerpoint/2010/main" val="906542775"/>
+        <p14:creationId xmlns:p14="http://schemas.microsoft.com/office/powerpoint/2010/main" val="3432768764"/>
       </p:ext>
     </p:extLst>
   </p:cSld>
@@ -3939,7 +4848,7 @@
 </p:sld>
 </file>
 
-<file path=ppt/slides/slide12.xml><?xml version="1.0" encoding="utf-8"?>
+<file path=ppt/slides/slide14.xml><?xml version="1.0" encoding="utf-8"?>
 <p:sld xmlns:a="http://schemas.openxmlformats.org/drawingml/2006/main" xmlns:r="http://schemas.openxmlformats.org/officeDocument/2006/relationships" xmlns:p="http://schemas.openxmlformats.org/presentationml/2006/main">
   <p:cSld>
     <p:spTree>
@@ -3961,7 +4870,7 @@
           <p:cNvPr id="2" name="제목 1">
             <a:extLst>
               <a:ext uri="{FF2B5EF4-FFF2-40B4-BE49-F238E27FC236}">
-                <a16:creationId xmlns:a16="http://schemas.microsoft.com/office/drawing/2014/main" id="{F5190706-4EFB-B66C-50FD-A16ACD0C788D}"/>
+                <a16:creationId xmlns:a16="http://schemas.microsoft.com/office/drawing/2014/main" id="{C0A22C06-84B1-DA9B-12A8-BD950AAB2A40}"/>
               </a:ext>
             </a:extLst>
           </p:cNvPr>
@@ -3978,17 +4887,782 @@
           <a:lstStyle/>
           <a:p>
             <a:r>
-              <a:rPr lang="en-US" altLang="ko-KR" dirty="0"/>
-              <a:t>Conclusions</a:t>
-            </a:r>
-            <a:endParaRPr lang="ko-KR" altLang="en-US" dirty="0"/>
+              <a:rPr lang="en-US" altLang="ko-KR"/>
+              <a:t>Experiment Setup</a:t>
+            </a:r>
+            <a:endParaRPr lang="ko-KR" altLang="en-US"/>
           </a:p>
         </p:txBody>
       </p:sp>
     </p:spTree>
     <p:extLst>
       <p:ext uri="{BB962C8B-B14F-4D97-AF65-F5344CB8AC3E}">
-        <p14:creationId xmlns:p14="http://schemas.microsoft.com/office/powerpoint/2010/main" val="3050667125"/>
+        <p14:creationId xmlns:p14="http://schemas.microsoft.com/office/powerpoint/2010/main" val="3657618755"/>
+      </p:ext>
+    </p:extLst>
+  </p:cSld>
+  <p:clrMapOvr>
+    <a:masterClrMapping/>
+  </p:clrMapOvr>
+</p:sld>
+</file>
+
+<file path=ppt/slides/slide15.xml><?xml version="1.0" encoding="utf-8"?>
+<p:sld xmlns:a="http://schemas.openxmlformats.org/drawingml/2006/main" xmlns:r="http://schemas.openxmlformats.org/officeDocument/2006/relationships" xmlns:p="http://schemas.openxmlformats.org/presentationml/2006/main">
+  <p:cSld>
+    <p:spTree>
+      <p:nvGrpSpPr>
+        <p:cNvPr id="1" name=""/>
+        <p:cNvGrpSpPr/>
+        <p:nvPr/>
+      </p:nvGrpSpPr>
+      <p:grpSpPr>
+        <a:xfrm>
+          <a:off x="0" y="0"/>
+          <a:ext cx="0" cy="0"/>
+          <a:chOff x="0" y="0"/>
+          <a:chExt cx="0" cy="0"/>
+        </a:xfrm>
+      </p:grpSpPr>
+      <p:sp>
+        <p:nvSpPr>
+          <p:cNvPr id="2" name="제목 1">
+            <a:extLst>
+              <a:ext uri="{FF2B5EF4-FFF2-40B4-BE49-F238E27FC236}">
+                <a16:creationId xmlns:a16="http://schemas.microsoft.com/office/drawing/2014/main" id="{48F0651E-A9C0-103A-6623-D99004E69C54}"/>
+              </a:ext>
+            </a:extLst>
+          </p:cNvPr>
+          <p:cNvSpPr>
+            <a:spLocks noGrp="1"/>
+          </p:cNvSpPr>
+          <p:nvPr>
+            <p:ph type="title"/>
+          </p:nvPr>
+        </p:nvSpPr>
+        <p:spPr/>
+        <p:txBody>
+          <a:bodyPr/>
+          <a:lstStyle/>
+          <a:p>
+            <a:r>
+              <a:rPr lang="en-US" altLang="ko-KR"/>
+              <a:t>Result</a:t>
+            </a:r>
+            <a:endParaRPr lang="ko-KR" altLang="en-US"/>
+          </a:p>
+        </p:txBody>
+      </p:sp>
+      <p:pic>
+        <p:nvPicPr>
+          <p:cNvPr id="1026" name="Picture 2" descr="Refer to caption">
+            <a:extLst>
+              <a:ext uri="{FF2B5EF4-FFF2-40B4-BE49-F238E27FC236}">
+                <a16:creationId xmlns:a16="http://schemas.microsoft.com/office/drawing/2014/main" id="{447F5D56-E768-73F0-8CE8-C61D98EABF22}"/>
+              </a:ext>
+            </a:extLst>
+          </p:cNvPr>
+          <p:cNvPicPr>
+            <a:picLocks noChangeAspect="1" noChangeArrowheads="1"/>
+          </p:cNvPicPr>
+          <p:nvPr/>
+        </p:nvPicPr>
+        <p:blipFill>
+          <a:blip r:embed="rId2">
+            <a:extLst>
+              <a:ext uri="{28A0092B-C50C-407E-A947-70E740481C1C}">
+                <a14:useLocalDpi xmlns:a14="http://schemas.microsoft.com/office/drawing/2010/main" val="0"/>
+              </a:ext>
+            </a:extLst>
+          </a:blip>
+          <a:srcRect/>
+          <a:stretch>
+            <a:fillRect/>
+          </a:stretch>
+        </p:blipFill>
+        <p:spPr bwMode="auto">
+          <a:xfrm>
+            <a:off x="1258082" y="2098754"/>
+            <a:ext cx="4486275" cy="2990850"/>
+          </a:xfrm>
+          <a:prstGeom prst="rect">
+            <a:avLst/>
+          </a:prstGeom>
+          <a:noFill/>
+          <a:extLst>
+            <a:ext uri="{909E8E84-426E-40DD-AFC4-6F175D3DCCD1}">
+              <a14:hiddenFill xmlns:a14="http://schemas.microsoft.com/office/drawing/2010/main">
+                <a:solidFill>
+                  <a:srgbClr val="FFFFFF"/>
+                </a:solidFill>
+              </a14:hiddenFill>
+            </a:ext>
+          </a:extLst>
+        </p:spPr>
+      </p:pic>
+      <p:pic>
+        <p:nvPicPr>
+          <p:cNvPr id="1028" name="Picture 4" descr="Refer to caption">
+            <a:extLst>
+              <a:ext uri="{FF2B5EF4-FFF2-40B4-BE49-F238E27FC236}">
+                <a16:creationId xmlns:a16="http://schemas.microsoft.com/office/drawing/2014/main" id="{BFE3685C-42D4-50E5-963E-D1CF462EAE52}"/>
+              </a:ext>
+            </a:extLst>
+          </p:cNvPr>
+          <p:cNvPicPr>
+            <a:picLocks noChangeAspect="1" noChangeArrowheads="1"/>
+          </p:cNvPicPr>
+          <p:nvPr/>
+        </p:nvPicPr>
+        <p:blipFill>
+          <a:blip r:embed="rId3">
+            <a:extLst>
+              <a:ext uri="{28A0092B-C50C-407E-A947-70E740481C1C}">
+                <a14:useLocalDpi xmlns:a14="http://schemas.microsoft.com/office/drawing/2010/main" val="0"/>
+              </a:ext>
+            </a:extLst>
+          </a:blip>
+          <a:srcRect/>
+          <a:stretch>
+            <a:fillRect/>
+          </a:stretch>
+        </p:blipFill>
+        <p:spPr bwMode="auto">
+          <a:xfrm>
+            <a:off x="6640151" y="2098754"/>
+            <a:ext cx="4486275" cy="2990850"/>
+          </a:xfrm>
+          <a:prstGeom prst="rect">
+            <a:avLst/>
+          </a:prstGeom>
+          <a:noFill/>
+          <a:extLst>
+            <a:ext uri="{909E8E84-426E-40DD-AFC4-6F175D3DCCD1}">
+              <a14:hiddenFill xmlns:a14="http://schemas.microsoft.com/office/drawing/2010/main">
+                <a:solidFill>
+                  <a:srgbClr val="FFFFFF"/>
+                </a:solidFill>
+              </a14:hiddenFill>
+            </a:ext>
+          </a:extLst>
+        </p:spPr>
+      </p:pic>
+    </p:spTree>
+    <p:extLst>
+      <p:ext uri="{BB962C8B-B14F-4D97-AF65-F5344CB8AC3E}">
+        <p14:creationId xmlns:p14="http://schemas.microsoft.com/office/powerpoint/2010/main" val="906542775"/>
+      </p:ext>
+    </p:extLst>
+  </p:cSld>
+  <p:clrMapOvr>
+    <a:masterClrMapping/>
+  </p:clrMapOvr>
+</p:sld>
+</file>
+
+<file path=ppt/slides/slide16.xml><?xml version="1.0" encoding="utf-8"?>
+<p:sld xmlns:a="http://schemas.openxmlformats.org/drawingml/2006/main" xmlns:r="http://schemas.openxmlformats.org/officeDocument/2006/relationships" xmlns:p="http://schemas.openxmlformats.org/presentationml/2006/main">
+  <p:cSld>
+    <p:spTree>
+      <p:nvGrpSpPr>
+        <p:cNvPr id="1" name=""/>
+        <p:cNvGrpSpPr/>
+        <p:nvPr/>
+      </p:nvGrpSpPr>
+      <p:grpSpPr>
+        <a:xfrm>
+          <a:off x="0" y="0"/>
+          <a:ext cx="0" cy="0"/>
+          <a:chOff x="0" y="0"/>
+          <a:chExt cx="0" cy="0"/>
+        </a:xfrm>
+      </p:grpSpPr>
+      <p:sp>
+        <p:nvSpPr>
+          <p:cNvPr id="2" name="제목 1">
+            <a:extLst>
+              <a:ext uri="{FF2B5EF4-FFF2-40B4-BE49-F238E27FC236}">
+                <a16:creationId xmlns:a16="http://schemas.microsoft.com/office/drawing/2014/main" id="{22AE6A76-896A-2FD1-A3AA-C1F92E3F1D35}"/>
+              </a:ext>
+            </a:extLst>
+          </p:cNvPr>
+          <p:cNvSpPr>
+            <a:spLocks noGrp="1"/>
+          </p:cNvSpPr>
+          <p:nvPr>
+            <p:ph type="title"/>
+          </p:nvPr>
+        </p:nvSpPr>
+        <p:spPr/>
+        <p:txBody>
+          <a:bodyPr/>
+          <a:lstStyle/>
+          <a:p>
+            <a:r>
+              <a:rPr lang="en-US" altLang="ko-KR"/>
+              <a:t>Result</a:t>
+            </a:r>
+            <a:endParaRPr lang="ko-KR" altLang="en-US"/>
+          </a:p>
+        </p:txBody>
+      </p:sp>
+      <p:pic>
+        <p:nvPicPr>
+          <p:cNvPr id="2050" name="Picture 2" descr="Refer to caption">
+            <a:extLst>
+              <a:ext uri="{FF2B5EF4-FFF2-40B4-BE49-F238E27FC236}">
+                <a16:creationId xmlns:a16="http://schemas.microsoft.com/office/drawing/2014/main" id="{F4F7BA4B-4140-9247-C8DA-F3760EBCDFB5}"/>
+              </a:ext>
+            </a:extLst>
+          </p:cNvPr>
+          <p:cNvPicPr>
+            <a:picLocks noChangeAspect="1" noChangeArrowheads="1"/>
+          </p:cNvPicPr>
+          <p:nvPr/>
+        </p:nvPicPr>
+        <p:blipFill>
+          <a:blip r:embed="rId2">
+            <a:extLst>
+              <a:ext uri="{28A0092B-C50C-407E-A947-70E740481C1C}">
+                <a14:useLocalDpi xmlns:a14="http://schemas.microsoft.com/office/drawing/2010/main" val="0"/>
+              </a:ext>
+            </a:extLst>
+          </a:blip>
+          <a:srcRect/>
+          <a:stretch>
+            <a:fillRect/>
+          </a:stretch>
+        </p:blipFill>
+        <p:spPr bwMode="auto">
+          <a:xfrm>
+            <a:off x="1369220" y="1947361"/>
+            <a:ext cx="4219575" cy="3448050"/>
+          </a:xfrm>
+          <a:prstGeom prst="rect">
+            <a:avLst/>
+          </a:prstGeom>
+          <a:noFill/>
+          <a:extLst>
+            <a:ext uri="{909E8E84-426E-40DD-AFC4-6F175D3DCCD1}">
+              <a14:hiddenFill xmlns:a14="http://schemas.microsoft.com/office/drawing/2010/main">
+                <a:solidFill>
+                  <a:srgbClr val="FFFFFF"/>
+                </a:solidFill>
+              </a14:hiddenFill>
+            </a:ext>
+          </a:extLst>
+        </p:spPr>
+      </p:pic>
+      <p:pic>
+        <p:nvPicPr>
+          <p:cNvPr id="2052" name="Picture 4" descr="Refer to caption">
+            <a:extLst>
+              <a:ext uri="{FF2B5EF4-FFF2-40B4-BE49-F238E27FC236}">
+                <a16:creationId xmlns:a16="http://schemas.microsoft.com/office/drawing/2014/main" id="{E6555BAE-5F00-284C-5EB5-2DB93A09B310}"/>
+              </a:ext>
+            </a:extLst>
+          </p:cNvPr>
+          <p:cNvPicPr>
+            <a:picLocks noChangeAspect="1" noChangeArrowheads="1"/>
+          </p:cNvPicPr>
+          <p:nvPr/>
+        </p:nvPicPr>
+        <p:blipFill>
+          <a:blip r:embed="rId3">
+            <a:extLst>
+              <a:ext uri="{28A0092B-C50C-407E-A947-70E740481C1C}">
+                <a14:useLocalDpi xmlns:a14="http://schemas.microsoft.com/office/drawing/2010/main" val="0"/>
+              </a:ext>
+            </a:extLst>
+          </a:blip>
+          <a:srcRect/>
+          <a:stretch>
+            <a:fillRect/>
+          </a:stretch>
+        </p:blipFill>
+        <p:spPr bwMode="auto">
+          <a:xfrm>
+            <a:off x="6504824" y="1947361"/>
+            <a:ext cx="4219575" cy="3476625"/>
+          </a:xfrm>
+          <a:prstGeom prst="rect">
+            <a:avLst/>
+          </a:prstGeom>
+          <a:noFill/>
+          <a:extLst>
+            <a:ext uri="{909E8E84-426E-40DD-AFC4-6F175D3DCCD1}">
+              <a14:hiddenFill xmlns:a14="http://schemas.microsoft.com/office/drawing/2010/main">
+                <a:solidFill>
+                  <a:srgbClr val="FFFFFF"/>
+                </a:solidFill>
+              </a14:hiddenFill>
+            </a:ext>
+          </a:extLst>
+        </p:spPr>
+      </p:pic>
+    </p:spTree>
+    <p:extLst>
+      <p:ext uri="{BB962C8B-B14F-4D97-AF65-F5344CB8AC3E}">
+        <p14:creationId xmlns:p14="http://schemas.microsoft.com/office/powerpoint/2010/main" val="735790273"/>
+      </p:ext>
+    </p:extLst>
+  </p:cSld>
+  <p:clrMapOvr>
+    <a:masterClrMapping/>
+  </p:clrMapOvr>
+</p:sld>
+</file>
+
+<file path=ppt/slides/slide17.xml><?xml version="1.0" encoding="utf-8"?>
+<p:sld xmlns:a="http://schemas.openxmlformats.org/drawingml/2006/main" xmlns:r="http://schemas.openxmlformats.org/officeDocument/2006/relationships" xmlns:p="http://schemas.openxmlformats.org/presentationml/2006/main">
+  <p:cSld>
+    <p:spTree>
+      <p:nvGrpSpPr>
+        <p:cNvPr id="1" name=""/>
+        <p:cNvGrpSpPr/>
+        <p:nvPr/>
+      </p:nvGrpSpPr>
+      <p:grpSpPr>
+        <a:xfrm>
+          <a:off x="0" y="0"/>
+          <a:ext cx="0" cy="0"/>
+          <a:chOff x="0" y="0"/>
+          <a:chExt cx="0" cy="0"/>
+        </a:xfrm>
+      </p:grpSpPr>
+      <p:sp>
+        <p:nvSpPr>
+          <p:cNvPr id="2" name="제목 1">
+            <a:extLst>
+              <a:ext uri="{FF2B5EF4-FFF2-40B4-BE49-F238E27FC236}">
+                <a16:creationId xmlns:a16="http://schemas.microsoft.com/office/drawing/2014/main" id="{281BE892-5E43-9EC4-5875-BDE12F574FDA}"/>
+              </a:ext>
+            </a:extLst>
+          </p:cNvPr>
+          <p:cNvSpPr>
+            <a:spLocks noGrp="1"/>
+          </p:cNvSpPr>
+          <p:nvPr>
+            <p:ph type="title"/>
+          </p:nvPr>
+        </p:nvSpPr>
+        <p:spPr/>
+        <p:txBody>
+          <a:bodyPr/>
+          <a:lstStyle/>
+          <a:p>
+            <a:r>
+              <a:rPr lang="en-US" altLang="ko-KR"/>
+              <a:t>Result</a:t>
+            </a:r>
+            <a:endParaRPr lang="ko-KR" altLang="en-US"/>
+          </a:p>
+        </p:txBody>
+      </p:sp>
+      <p:pic>
+        <p:nvPicPr>
+          <p:cNvPr id="3074" name="Picture 2" descr="Refer to caption">
+            <a:extLst>
+              <a:ext uri="{FF2B5EF4-FFF2-40B4-BE49-F238E27FC236}">
+                <a16:creationId xmlns:a16="http://schemas.microsoft.com/office/drawing/2014/main" id="{D1E70A4F-6599-923C-C14D-84403EEB327A}"/>
+              </a:ext>
+            </a:extLst>
+          </p:cNvPr>
+          <p:cNvPicPr>
+            <a:picLocks noChangeAspect="1" noChangeArrowheads="1"/>
+          </p:cNvPicPr>
+          <p:nvPr/>
+        </p:nvPicPr>
+        <p:blipFill>
+          <a:blip r:embed="rId2">
+            <a:extLst>
+              <a:ext uri="{28A0092B-C50C-407E-A947-70E740481C1C}">
+                <a14:useLocalDpi xmlns:a14="http://schemas.microsoft.com/office/drawing/2010/main" val="0"/>
+              </a:ext>
+            </a:extLst>
+          </a:blip>
+          <a:srcRect/>
+          <a:stretch>
+            <a:fillRect/>
+          </a:stretch>
+        </p:blipFill>
+        <p:spPr bwMode="auto">
+          <a:xfrm>
+            <a:off x="2143125" y="1690688"/>
+            <a:ext cx="7905750" cy="2305050"/>
+          </a:xfrm>
+          <a:prstGeom prst="rect">
+            <a:avLst/>
+          </a:prstGeom>
+          <a:noFill/>
+          <a:extLst>
+            <a:ext uri="{909E8E84-426E-40DD-AFC4-6F175D3DCCD1}">
+              <a14:hiddenFill xmlns:a14="http://schemas.microsoft.com/office/drawing/2010/main">
+                <a:solidFill>
+                  <a:srgbClr val="FFFFFF"/>
+                </a:solidFill>
+              </a14:hiddenFill>
+            </a:ext>
+          </a:extLst>
+        </p:spPr>
+      </p:pic>
+      <p:pic>
+        <p:nvPicPr>
+          <p:cNvPr id="3076" name="Picture 4" descr="Refer to caption">
+            <a:extLst>
+              <a:ext uri="{FF2B5EF4-FFF2-40B4-BE49-F238E27FC236}">
+                <a16:creationId xmlns:a16="http://schemas.microsoft.com/office/drawing/2014/main" id="{756FB6F2-7C4C-48C5-EBB0-52DFA0250A83}"/>
+              </a:ext>
+            </a:extLst>
+          </p:cNvPr>
+          <p:cNvPicPr>
+            <a:picLocks noChangeAspect="1" noChangeArrowheads="1"/>
+          </p:cNvPicPr>
+          <p:nvPr/>
+        </p:nvPicPr>
+        <p:blipFill>
+          <a:blip r:embed="rId3">
+            <a:extLst>
+              <a:ext uri="{28A0092B-C50C-407E-A947-70E740481C1C}">
+                <a14:useLocalDpi xmlns:a14="http://schemas.microsoft.com/office/drawing/2010/main" val="0"/>
+              </a:ext>
+            </a:extLst>
+          </a:blip>
+          <a:srcRect/>
+          <a:stretch>
+            <a:fillRect/>
+          </a:stretch>
+        </p:blipFill>
+        <p:spPr bwMode="auto">
+          <a:xfrm>
+            <a:off x="2143125" y="4187825"/>
+            <a:ext cx="7905750" cy="2305050"/>
+          </a:xfrm>
+          <a:prstGeom prst="rect">
+            <a:avLst/>
+          </a:prstGeom>
+          <a:noFill/>
+          <a:extLst>
+            <a:ext uri="{909E8E84-426E-40DD-AFC4-6F175D3DCCD1}">
+              <a14:hiddenFill xmlns:a14="http://schemas.microsoft.com/office/drawing/2010/main">
+                <a:solidFill>
+                  <a:srgbClr val="FFFFFF"/>
+                </a:solidFill>
+              </a14:hiddenFill>
+            </a:ext>
+          </a:extLst>
+        </p:spPr>
+      </p:pic>
+    </p:spTree>
+    <p:extLst>
+      <p:ext uri="{BB962C8B-B14F-4D97-AF65-F5344CB8AC3E}">
+        <p14:creationId xmlns:p14="http://schemas.microsoft.com/office/powerpoint/2010/main" val="123121843"/>
+      </p:ext>
+    </p:extLst>
+  </p:cSld>
+  <p:clrMapOvr>
+    <a:masterClrMapping/>
+  </p:clrMapOvr>
+</p:sld>
+</file>
+
+<file path=ppt/slides/slide18.xml><?xml version="1.0" encoding="utf-8"?>
+<p:sld xmlns:a="http://schemas.openxmlformats.org/drawingml/2006/main" xmlns:r="http://schemas.openxmlformats.org/officeDocument/2006/relationships" xmlns:p="http://schemas.openxmlformats.org/presentationml/2006/main">
+  <p:cSld>
+    <p:spTree>
+      <p:nvGrpSpPr>
+        <p:cNvPr id="1" name=""/>
+        <p:cNvGrpSpPr/>
+        <p:nvPr/>
+      </p:nvGrpSpPr>
+      <p:grpSpPr>
+        <a:xfrm>
+          <a:off x="0" y="0"/>
+          <a:ext cx="0" cy="0"/>
+          <a:chOff x="0" y="0"/>
+          <a:chExt cx="0" cy="0"/>
+        </a:xfrm>
+      </p:grpSpPr>
+      <p:sp>
+        <p:nvSpPr>
+          <p:cNvPr id="2" name="제목 1">
+            <a:extLst>
+              <a:ext uri="{FF2B5EF4-FFF2-40B4-BE49-F238E27FC236}">
+                <a16:creationId xmlns:a16="http://schemas.microsoft.com/office/drawing/2014/main" id="{70E65B6B-5EA6-B2AE-481E-B11AADEAC856}"/>
+              </a:ext>
+            </a:extLst>
+          </p:cNvPr>
+          <p:cNvSpPr>
+            <a:spLocks noGrp="1"/>
+          </p:cNvSpPr>
+          <p:nvPr>
+            <p:ph type="title"/>
+          </p:nvPr>
+        </p:nvSpPr>
+        <p:spPr/>
+        <p:txBody>
+          <a:bodyPr/>
+          <a:lstStyle/>
+          <a:p>
+            <a:r>
+              <a:rPr lang="en-US" altLang="ko-KR"/>
+              <a:t>Result</a:t>
+            </a:r>
+            <a:endParaRPr lang="ko-KR" altLang="en-US"/>
+          </a:p>
+        </p:txBody>
+      </p:sp>
+      <p:pic>
+        <p:nvPicPr>
+          <p:cNvPr id="4098" name="Picture 2" descr="Refer to caption">
+            <a:extLst>
+              <a:ext uri="{FF2B5EF4-FFF2-40B4-BE49-F238E27FC236}">
+                <a16:creationId xmlns:a16="http://schemas.microsoft.com/office/drawing/2014/main" id="{2AE8F4B0-B57A-5306-DAAF-94716AA518AF}"/>
+              </a:ext>
+            </a:extLst>
+          </p:cNvPr>
+          <p:cNvPicPr>
+            <a:picLocks noChangeAspect="1" noChangeArrowheads="1"/>
+          </p:cNvPicPr>
+          <p:nvPr/>
+        </p:nvPicPr>
+        <p:blipFill>
+          <a:blip r:embed="rId2">
+            <a:extLst>
+              <a:ext uri="{28A0092B-C50C-407E-A947-70E740481C1C}">
+                <a14:useLocalDpi xmlns:a14="http://schemas.microsoft.com/office/drawing/2010/main" val="0"/>
+              </a:ext>
+            </a:extLst>
+          </a:blip>
+          <a:srcRect/>
+          <a:stretch>
+            <a:fillRect/>
+          </a:stretch>
+        </p:blipFill>
+        <p:spPr bwMode="auto">
+          <a:xfrm>
+            <a:off x="1267577" y="1837573"/>
+            <a:ext cx="4619625" cy="3952875"/>
+          </a:xfrm>
+          <a:prstGeom prst="rect">
+            <a:avLst/>
+          </a:prstGeom>
+          <a:noFill/>
+          <a:extLst>
+            <a:ext uri="{909E8E84-426E-40DD-AFC4-6F175D3DCCD1}">
+              <a14:hiddenFill xmlns:a14="http://schemas.microsoft.com/office/drawing/2010/main">
+                <a:solidFill>
+                  <a:srgbClr val="FFFFFF"/>
+                </a:solidFill>
+              </a14:hiddenFill>
+            </a:ext>
+          </a:extLst>
+        </p:spPr>
+      </p:pic>
+      <p:pic>
+        <p:nvPicPr>
+          <p:cNvPr id="4100" name="Picture 4" descr="Refer to caption">
+            <a:extLst>
+              <a:ext uri="{FF2B5EF4-FFF2-40B4-BE49-F238E27FC236}">
+                <a16:creationId xmlns:a16="http://schemas.microsoft.com/office/drawing/2014/main" id="{2123EF99-CBC0-62A1-D5E8-5E9614E87807}"/>
+              </a:ext>
+            </a:extLst>
+          </p:cNvPr>
+          <p:cNvPicPr>
+            <a:picLocks noChangeAspect="1" noChangeArrowheads="1"/>
+          </p:cNvPicPr>
+          <p:nvPr/>
+        </p:nvPicPr>
+        <p:blipFill>
+          <a:blip r:embed="rId3">
+            <a:extLst>
+              <a:ext uri="{28A0092B-C50C-407E-A947-70E740481C1C}">
+                <a14:useLocalDpi xmlns:a14="http://schemas.microsoft.com/office/drawing/2010/main" val="0"/>
+              </a:ext>
+            </a:extLst>
+          </a:blip>
+          <a:srcRect/>
+          <a:stretch>
+            <a:fillRect/>
+          </a:stretch>
+        </p:blipFill>
+        <p:spPr bwMode="auto">
+          <a:xfrm>
+            <a:off x="6304798" y="1837573"/>
+            <a:ext cx="4619625" cy="3952875"/>
+          </a:xfrm>
+          <a:prstGeom prst="rect">
+            <a:avLst/>
+          </a:prstGeom>
+          <a:noFill/>
+          <a:extLst>
+            <a:ext uri="{909E8E84-426E-40DD-AFC4-6F175D3DCCD1}">
+              <a14:hiddenFill xmlns:a14="http://schemas.microsoft.com/office/drawing/2010/main">
+                <a:solidFill>
+                  <a:srgbClr val="FFFFFF"/>
+                </a:solidFill>
+              </a14:hiddenFill>
+            </a:ext>
+          </a:extLst>
+        </p:spPr>
+      </p:pic>
+    </p:spTree>
+    <p:extLst>
+      <p:ext uri="{BB962C8B-B14F-4D97-AF65-F5344CB8AC3E}">
+        <p14:creationId xmlns:p14="http://schemas.microsoft.com/office/powerpoint/2010/main" val="4100732065"/>
+      </p:ext>
+    </p:extLst>
+  </p:cSld>
+  <p:clrMapOvr>
+    <a:masterClrMapping/>
+  </p:clrMapOvr>
+</p:sld>
+</file>
+
+<file path=ppt/slides/slide19.xml><?xml version="1.0" encoding="utf-8"?>
+<p:sld xmlns:a="http://schemas.openxmlformats.org/drawingml/2006/main" xmlns:r="http://schemas.openxmlformats.org/officeDocument/2006/relationships" xmlns:p="http://schemas.openxmlformats.org/presentationml/2006/main">
+  <p:cSld>
+    <p:spTree>
+      <p:nvGrpSpPr>
+        <p:cNvPr id="1" name=""/>
+        <p:cNvGrpSpPr/>
+        <p:nvPr/>
+      </p:nvGrpSpPr>
+      <p:grpSpPr>
+        <a:xfrm>
+          <a:off x="0" y="0"/>
+          <a:ext cx="0" cy="0"/>
+          <a:chOff x="0" y="0"/>
+          <a:chExt cx="0" cy="0"/>
+        </a:xfrm>
+      </p:grpSpPr>
+      <p:sp>
+        <p:nvSpPr>
+          <p:cNvPr id="2" name="제목 1">
+            <a:extLst>
+              <a:ext uri="{FF2B5EF4-FFF2-40B4-BE49-F238E27FC236}">
+                <a16:creationId xmlns:a16="http://schemas.microsoft.com/office/drawing/2014/main" id="{E12249FC-8BE4-82E8-4439-4228E44C37FC}"/>
+              </a:ext>
+            </a:extLst>
+          </p:cNvPr>
+          <p:cNvSpPr>
+            <a:spLocks noGrp="1"/>
+          </p:cNvSpPr>
+          <p:nvPr>
+            <p:ph type="title"/>
+          </p:nvPr>
+        </p:nvSpPr>
+        <p:spPr/>
+        <p:txBody>
+          <a:bodyPr/>
+          <a:lstStyle/>
+          <a:p>
+            <a:r>
+              <a:rPr lang="en-US" altLang="ko-KR"/>
+              <a:t>Result</a:t>
+            </a:r>
+            <a:endParaRPr lang="ko-KR" altLang="en-US"/>
+          </a:p>
+        </p:txBody>
+      </p:sp>
+      <p:pic>
+        <p:nvPicPr>
+          <p:cNvPr id="5122" name="Picture 2" descr="Refer to caption">
+            <a:extLst>
+              <a:ext uri="{FF2B5EF4-FFF2-40B4-BE49-F238E27FC236}">
+                <a16:creationId xmlns:a16="http://schemas.microsoft.com/office/drawing/2014/main" id="{79116726-9813-A2CB-32E8-03647738C0EB}"/>
+              </a:ext>
+            </a:extLst>
+          </p:cNvPr>
+          <p:cNvPicPr>
+            <a:picLocks noChangeAspect="1" noChangeArrowheads="1"/>
+          </p:cNvPicPr>
+          <p:nvPr/>
+        </p:nvPicPr>
+        <p:blipFill>
+          <a:blip r:embed="rId2">
+            <a:extLst>
+              <a:ext uri="{28A0092B-C50C-407E-A947-70E740481C1C}">
+                <a14:useLocalDpi xmlns:a14="http://schemas.microsoft.com/office/drawing/2010/main" val="0"/>
+              </a:ext>
+            </a:extLst>
+          </a:blip>
+          <a:srcRect/>
+          <a:stretch>
+            <a:fillRect/>
+          </a:stretch>
+        </p:blipFill>
+        <p:spPr bwMode="auto">
+          <a:xfrm>
+            <a:off x="1126958" y="1690688"/>
+            <a:ext cx="4619625" cy="3848100"/>
+          </a:xfrm>
+          <a:prstGeom prst="rect">
+            <a:avLst/>
+          </a:prstGeom>
+          <a:noFill/>
+          <a:extLst>
+            <a:ext uri="{909E8E84-426E-40DD-AFC4-6F175D3DCCD1}">
+              <a14:hiddenFill xmlns:a14="http://schemas.microsoft.com/office/drawing/2010/main">
+                <a:solidFill>
+                  <a:srgbClr val="FFFFFF"/>
+                </a:solidFill>
+              </a14:hiddenFill>
+            </a:ext>
+          </a:extLst>
+        </p:spPr>
+      </p:pic>
+      <p:pic>
+        <p:nvPicPr>
+          <p:cNvPr id="5124" name="Picture 4" descr="Refer to caption">
+            <a:extLst>
+              <a:ext uri="{FF2B5EF4-FFF2-40B4-BE49-F238E27FC236}">
+                <a16:creationId xmlns:a16="http://schemas.microsoft.com/office/drawing/2014/main" id="{69094443-1F64-61FB-F4CC-CBB3FC144076}"/>
+              </a:ext>
+            </a:extLst>
+          </p:cNvPr>
+          <p:cNvPicPr>
+            <a:picLocks noChangeAspect="1" noChangeArrowheads="1"/>
+          </p:cNvPicPr>
+          <p:nvPr/>
+        </p:nvPicPr>
+        <p:blipFill>
+          <a:blip r:embed="rId3">
+            <a:extLst>
+              <a:ext uri="{28A0092B-C50C-407E-A947-70E740481C1C}">
+                <a14:useLocalDpi xmlns:a14="http://schemas.microsoft.com/office/drawing/2010/main" val="0"/>
+              </a:ext>
+            </a:extLst>
+          </a:blip>
+          <a:srcRect/>
+          <a:stretch>
+            <a:fillRect/>
+          </a:stretch>
+        </p:blipFill>
+        <p:spPr bwMode="auto">
+          <a:xfrm>
+            <a:off x="6384758" y="1690688"/>
+            <a:ext cx="4619625" cy="3848100"/>
+          </a:xfrm>
+          <a:prstGeom prst="rect">
+            <a:avLst/>
+          </a:prstGeom>
+          <a:noFill/>
+          <a:extLst>
+            <a:ext uri="{909E8E84-426E-40DD-AFC4-6F175D3DCCD1}">
+              <a14:hiddenFill xmlns:a14="http://schemas.microsoft.com/office/drawing/2010/main">
+                <a:solidFill>
+                  <a:srgbClr val="FFFFFF"/>
+                </a:solidFill>
+              </a14:hiddenFill>
+            </a:ext>
+          </a:extLst>
+        </p:spPr>
+      </p:pic>
+    </p:spTree>
+    <p:extLst>
+      <p:ext uri="{BB962C8B-B14F-4D97-AF65-F5344CB8AC3E}">
+        <p14:creationId xmlns:p14="http://schemas.microsoft.com/office/powerpoint/2010/main" val="1135150806"/>
       </p:ext>
     </p:extLst>
   </p:cSld>
@@ -4037,14 +5711,14 @@
           <a:lstStyle/>
           <a:p>
             <a:r>
-              <a:rPr lang="en-US" altLang="ko-KR" dirty="0" err="1"/>
+              <a:rPr lang="en-US" altLang="ko-KR" err="1"/>
               <a:t>MoE</a:t>
             </a:r>
             <a:r>
-              <a:rPr lang="en-US" altLang="ko-KR" dirty="0"/>
+              <a:rPr lang="en-US" altLang="ko-KR"/>
               <a:t>?</a:t>
             </a:r>
-            <a:endParaRPr lang="ko-KR" altLang="en-US" dirty="0"/>
+            <a:endParaRPr lang="ko-KR" altLang="en-US"/>
           </a:p>
         </p:txBody>
       </p:sp>
@@ -4091,6 +5765,371 @@
 </p:sld>
 </file>
 
+<file path=ppt/slides/slide20.xml><?xml version="1.0" encoding="utf-8"?>
+<p:sld xmlns:a="http://schemas.openxmlformats.org/drawingml/2006/main" xmlns:r="http://schemas.openxmlformats.org/officeDocument/2006/relationships" xmlns:p="http://schemas.openxmlformats.org/presentationml/2006/main">
+  <p:cSld>
+    <p:spTree>
+      <p:nvGrpSpPr>
+        <p:cNvPr id="1" name=""/>
+        <p:cNvGrpSpPr/>
+        <p:nvPr/>
+      </p:nvGrpSpPr>
+      <p:grpSpPr>
+        <a:xfrm>
+          <a:off x="0" y="0"/>
+          <a:ext cx="0" cy="0"/>
+          <a:chOff x="0" y="0"/>
+          <a:chExt cx="0" cy="0"/>
+        </a:xfrm>
+      </p:grpSpPr>
+      <p:sp>
+        <p:nvSpPr>
+          <p:cNvPr id="2" name="제목 1">
+            <a:extLst>
+              <a:ext uri="{FF2B5EF4-FFF2-40B4-BE49-F238E27FC236}">
+                <a16:creationId xmlns:a16="http://schemas.microsoft.com/office/drawing/2014/main" id="{01909994-02E0-A33B-E316-325777E6F0D6}"/>
+              </a:ext>
+            </a:extLst>
+          </p:cNvPr>
+          <p:cNvSpPr>
+            <a:spLocks noGrp="1"/>
+          </p:cNvSpPr>
+          <p:nvPr>
+            <p:ph type="title"/>
+          </p:nvPr>
+        </p:nvSpPr>
+        <p:spPr/>
+        <p:txBody>
+          <a:bodyPr/>
+          <a:lstStyle/>
+          <a:p>
+            <a:r>
+              <a:rPr lang="en-US" altLang="ko-KR"/>
+              <a:t>Result</a:t>
+            </a:r>
+            <a:endParaRPr lang="ko-KR" altLang="en-US"/>
+          </a:p>
+        </p:txBody>
+      </p:sp>
+      <p:pic>
+        <p:nvPicPr>
+          <p:cNvPr id="6146" name="Picture 2" descr="Refer to caption">
+            <a:extLst>
+              <a:ext uri="{FF2B5EF4-FFF2-40B4-BE49-F238E27FC236}">
+                <a16:creationId xmlns:a16="http://schemas.microsoft.com/office/drawing/2014/main" id="{ADD95C01-F05C-0FBA-CBF0-ADF044422F1D}"/>
+              </a:ext>
+            </a:extLst>
+          </p:cNvPr>
+          <p:cNvPicPr>
+            <a:picLocks noChangeAspect="1" noChangeArrowheads="1"/>
+          </p:cNvPicPr>
+          <p:nvPr/>
+        </p:nvPicPr>
+        <p:blipFill>
+          <a:blip r:embed="rId2">
+            <a:extLst>
+              <a:ext uri="{28A0092B-C50C-407E-A947-70E740481C1C}">
+                <a14:useLocalDpi xmlns:a14="http://schemas.microsoft.com/office/drawing/2010/main" val="0"/>
+              </a:ext>
+            </a:extLst>
+          </a:blip>
+          <a:srcRect/>
+          <a:stretch>
+            <a:fillRect/>
+          </a:stretch>
+        </p:blipFill>
+        <p:spPr bwMode="auto">
+          <a:xfrm>
+            <a:off x="1251536" y="2198270"/>
+            <a:ext cx="4619625" cy="3295650"/>
+          </a:xfrm>
+          <a:prstGeom prst="rect">
+            <a:avLst/>
+          </a:prstGeom>
+          <a:noFill/>
+          <a:extLst>
+            <a:ext uri="{909E8E84-426E-40DD-AFC4-6F175D3DCCD1}">
+              <a14:hiddenFill xmlns:a14="http://schemas.microsoft.com/office/drawing/2010/main">
+                <a:solidFill>
+                  <a:srgbClr val="FFFFFF"/>
+                </a:solidFill>
+              </a14:hiddenFill>
+            </a:ext>
+          </a:extLst>
+        </p:spPr>
+      </p:pic>
+      <p:pic>
+        <p:nvPicPr>
+          <p:cNvPr id="6148" name="Picture 4" descr="Refer to caption">
+            <a:extLst>
+              <a:ext uri="{FF2B5EF4-FFF2-40B4-BE49-F238E27FC236}">
+                <a16:creationId xmlns:a16="http://schemas.microsoft.com/office/drawing/2014/main" id="{776F79E8-362F-676B-CF48-E88AD8C05085}"/>
+              </a:ext>
+            </a:extLst>
+          </p:cNvPr>
+          <p:cNvPicPr>
+            <a:picLocks noChangeAspect="1" noChangeArrowheads="1"/>
+          </p:cNvPicPr>
+          <p:nvPr/>
+        </p:nvPicPr>
+        <p:blipFill>
+          <a:blip r:embed="rId3">
+            <a:extLst>
+              <a:ext uri="{28A0092B-C50C-407E-A947-70E740481C1C}">
+                <a14:useLocalDpi xmlns:a14="http://schemas.microsoft.com/office/drawing/2010/main" val="0"/>
+              </a:ext>
+            </a:extLst>
+          </a:blip>
+          <a:srcRect/>
+          <a:stretch>
+            <a:fillRect/>
+          </a:stretch>
+        </p:blipFill>
+        <p:spPr bwMode="auto">
+          <a:xfrm>
+            <a:off x="6320841" y="2198270"/>
+            <a:ext cx="4619625" cy="3295650"/>
+          </a:xfrm>
+          <a:prstGeom prst="rect">
+            <a:avLst/>
+          </a:prstGeom>
+          <a:noFill/>
+          <a:extLst>
+            <a:ext uri="{909E8E84-426E-40DD-AFC4-6F175D3DCCD1}">
+              <a14:hiddenFill xmlns:a14="http://schemas.microsoft.com/office/drawing/2010/main">
+                <a:solidFill>
+                  <a:srgbClr val="FFFFFF"/>
+                </a:solidFill>
+              </a14:hiddenFill>
+            </a:ext>
+          </a:extLst>
+        </p:spPr>
+      </p:pic>
+    </p:spTree>
+    <p:extLst>
+      <p:ext uri="{BB962C8B-B14F-4D97-AF65-F5344CB8AC3E}">
+        <p14:creationId xmlns:p14="http://schemas.microsoft.com/office/powerpoint/2010/main" val="4138203256"/>
+      </p:ext>
+    </p:extLst>
+  </p:cSld>
+  <p:clrMapOvr>
+    <a:masterClrMapping/>
+  </p:clrMapOvr>
+</p:sld>
+</file>
+
+<file path=ppt/slides/slide21.xml><?xml version="1.0" encoding="utf-8"?>
+<p:sld xmlns:a="http://schemas.openxmlformats.org/drawingml/2006/main" xmlns:r="http://schemas.openxmlformats.org/officeDocument/2006/relationships" xmlns:p="http://schemas.openxmlformats.org/presentationml/2006/main">
+  <p:cSld>
+    <p:spTree>
+      <p:nvGrpSpPr>
+        <p:cNvPr id="1" name=""/>
+        <p:cNvGrpSpPr/>
+        <p:nvPr/>
+      </p:nvGrpSpPr>
+      <p:grpSpPr>
+        <a:xfrm>
+          <a:off x="0" y="0"/>
+          <a:ext cx="0" cy="0"/>
+          <a:chOff x="0" y="0"/>
+          <a:chExt cx="0" cy="0"/>
+        </a:xfrm>
+      </p:grpSpPr>
+      <p:sp>
+        <p:nvSpPr>
+          <p:cNvPr id="2" name="제목 1">
+            <a:extLst>
+              <a:ext uri="{FF2B5EF4-FFF2-40B4-BE49-F238E27FC236}">
+                <a16:creationId xmlns:a16="http://schemas.microsoft.com/office/drawing/2014/main" id="{F7B3016F-BE81-A40B-DB25-0BD65A0B9BC1}"/>
+              </a:ext>
+            </a:extLst>
+          </p:cNvPr>
+          <p:cNvSpPr>
+            <a:spLocks noGrp="1"/>
+          </p:cNvSpPr>
+          <p:nvPr>
+            <p:ph type="title"/>
+          </p:nvPr>
+        </p:nvSpPr>
+        <p:spPr/>
+        <p:txBody>
+          <a:bodyPr/>
+          <a:lstStyle/>
+          <a:p>
+            <a:r>
+              <a:rPr lang="en-US" altLang="ko-KR"/>
+              <a:t>Result</a:t>
+            </a:r>
+            <a:endParaRPr lang="ko-KR" altLang="en-US"/>
+          </a:p>
+        </p:txBody>
+      </p:sp>
+      <p:pic>
+        <p:nvPicPr>
+          <p:cNvPr id="7170" name="Picture 2" descr="Refer to caption">
+            <a:extLst>
+              <a:ext uri="{FF2B5EF4-FFF2-40B4-BE49-F238E27FC236}">
+                <a16:creationId xmlns:a16="http://schemas.microsoft.com/office/drawing/2014/main" id="{159245D0-EA31-F506-B03C-7C6750827621}"/>
+              </a:ext>
+            </a:extLst>
+          </p:cNvPr>
+          <p:cNvPicPr>
+            <a:picLocks noChangeAspect="1" noChangeArrowheads="1"/>
+          </p:cNvPicPr>
+          <p:nvPr/>
+        </p:nvPicPr>
+        <p:blipFill>
+          <a:blip r:embed="rId2">
+            <a:extLst>
+              <a:ext uri="{28A0092B-C50C-407E-A947-70E740481C1C}">
+                <a14:useLocalDpi xmlns:a14="http://schemas.microsoft.com/office/drawing/2010/main" val="0"/>
+              </a:ext>
+            </a:extLst>
+          </a:blip>
+          <a:srcRect/>
+          <a:stretch>
+            <a:fillRect/>
+          </a:stretch>
+        </p:blipFill>
+        <p:spPr bwMode="auto">
+          <a:xfrm>
+            <a:off x="1299660" y="1971424"/>
+            <a:ext cx="4619625" cy="3171825"/>
+          </a:xfrm>
+          <a:prstGeom prst="rect">
+            <a:avLst/>
+          </a:prstGeom>
+          <a:noFill/>
+          <a:extLst>
+            <a:ext uri="{909E8E84-426E-40DD-AFC4-6F175D3DCCD1}">
+              <a14:hiddenFill xmlns:a14="http://schemas.microsoft.com/office/drawing/2010/main">
+                <a:solidFill>
+                  <a:srgbClr val="FFFFFF"/>
+                </a:solidFill>
+              </a14:hiddenFill>
+            </a:ext>
+          </a:extLst>
+        </p:spPr>
+      </p:pic>
+      <p:pic>
+        <p:nvPicPr>
+          <p:cNvPr id="7172" name="Picture 4" descr="Refer to caption">
+            <a:extLst>
+              <a:ext uri="{FF2B5EF4-FFF2-40B4-BE49-F238E27FC236}">
+                <a16:creationId xmlns:a16="http://schemas.microsoft.com/office/drawing/2014/main" id="{117BA9BF-24C3-C9E9-390A-763E38D06614}"/>
+              </a:ext>
+            </a:extLst>
+          </p:cNvPr>
+          <p:cNvPicPr>
+            <a:picLocks noChangeAspect="1" noChangeArrowheads="1"/>
+          </p:cNvPicPr>
+          <p:nvPr/>
+        </p:nvPicPr>
+        <p:blipFill>
+          <a:blip r:embed="rId3">
+            <a:extLst>
+              <a:ext uri="{28A0092B-C50C-407E-A947-70E740481C1C}">
+                <a14:useLocalDpi xmlns:a14="http://schemas.microsoft.com/office/drawing/2010/main" val="0"/>
+              </a:ext>
+            </a:extLst>
+          </a:blip>
+          <a:srcRect/>
+          <a:stretch>
+            <a:fillRect/>
+          </a:stretch>
+        </p:blipFill>
+        <p:spPr bwMode="auto">
+          <a:xfrm>
+            <a:off x="6096000" y="1971424"/>
+            <a:ext cx="4619625" cy="3181350"/>
+          </a:xfrm>
+          <a:prstGeom prst="rect">
+            <a:avLst/>
+          </a:prstGeom>
+          <a:noFill/>
+          <a:extLst>
+            <a:ext uri="{909E8E84-426E-40DD-AFC4-6F175D3DCCD1}">
+              <a14:hiddenFill xmlns:a14="http://schemas.microsoft.com/office/drawing/2010/main">
+                <a:solidFill>
+                  <a:srgbClr val="FFFFFF"/>
+                </a:solidFill>
+              </a14:hiddenFill>
+            </a:ext>
+          </a:extLst>
+        </p:spPr>
+      </p:pic>
+    </p:spTree>
+    <p:extLst>
+      <p:ext uri="{BB962C8B-B14F-4D97-AF65-F5344CB8AC3E}">
+        <p14:creationId xmlns:p14="http://schemas.microsoft.com/office/powerpoint/2010/main" val="3875603587"/>
+      </p:ext>
+    </p:extLst>
+  </p:cSld>
+  <p:clrMapOvr>
+    <a:masterClrMapping/>
+  </p:clrMapOvr>
+</p:sld>
+</file>
+
+<file path=ppt/slides/slide22.xml><?xml version="1.0" encoding="utf-8"?>
+<p:sld xmlns:a="http://schemas.openxmlformats.org/drawingml/2006/main" xmlns:r="http://schemas.openxmlformats.org/officeDocument/2006/relationships" xmlns:p="http://schemas.openxmlformats.org/presentationml/2006/main">
+  <p:cSld>
+    <p:spTree>
+      <p:nvGrpSpPr>
+        <p:cNvPr id="1" name=""/>
+        <p:cNvGrpSpPr/>
+        <p:nvPr/>
+      </p:nvGrpSpPr>
+      <p:grpSpPr>
+        <a:xfrm>
+          <a:off x="0" y="0"/>
+          <a:ext cx="0" cy="0"/>
+          <a:chOff x="0" y="0"/>
+          <a:chExt cx="0" cy="0"/>
+        </a:xfrm>
+      </p:grpSpPr>
+      <p:sp>
+        <p:nvSpPr>
+          <p:cNvPr id="2" name="제목 1">
+            <a:extLst>
+              <a:ext uri="{FF2B5EF4-FFF2-40B4-BE49-F238E27FC236}">
+                <a16:creationId xmlns:a16="http://schemas.microsoft.com/office/drawing/2014/main" id="{F5190706-4EFB-B66C-50FD-A16ACD0C788D}"/>
+              </a:ext>
+            </a:extLst>
+          </p:cNvPr>
+          <p:cNvSpPr>
+            <a:spLocks noGrp="1"/>
+          </p:cNvSpPr>
+          <p:nvPr>
+            <p:ph type="title"/>
+          </p:nvPr>
+        </p:nvSpPr>
+        <p:spPr/>
+        <p:txBody>
+          <a:bodyPr/>
+          <a:lstStyle/>
+          <a:p>
+            <a:r>
+              <a:rPr lang="en-US" altLang="ko-KR"/>
+              <a:t>Conclusions</a:t>
+            </a:r>
+            <a:endParaRPr lang="ko-KR" altLang="en-US"/>
+          </a:p>
+        </p:txBody>
+      </p:sp>
+    </p:spTree>
+    <p:extLst>
+      <p:ext uri="{BB962C8B-B14F-4D97-AF65-F5344CB8AC3E}">
+        <p14:creationId xmlns:p14="http://schemas.microsoft.com/office/powerpoint/2010/main" val="3050667125"/>
+      </p:ext>
+    </p:extLst>
+  </p:cSld>
+  <p:clrMapOvr>
+    <a:masterClrMapping/>
+  </p:clrMapOvr>
+</p:sld>
+</file>
+
 <file path=ppt/slides/slide3.xml><?xml version="1.0" encoding="utf-8"?>
 <p:sld xmlns:a="http://schemas.openxmlformats.org/drawingml/2006/main" xmlns:r="http://schemas.openxmlformats.org/officeDocument/2006/relationships" xmlns:p="http://schemas.openxmlformats.org/presentationml/2006/main">
   <p:cSld>
@@ -4130,10 +6169,10 @@
           <a:lstStyle/>
           <a:p>
             <a:r>
-              <a:rPr lang="en-US" altLang="ko-KR" dirty="0"/>
+              <a:rPr lang="en-US" altLang="ko-KR"/>
               <a:t>FL?</a:t>
             </a:r>
-            <a:endParaRPr lang="ko-KR" altLang="en-US" dirty="0"/>
+            <a:endParaRPr lang="ko-KR" altLang="en-US"/>
           </a:p>
         </p:txBody>
       </p:sp>
@@ -4189,10 +6228,10 @@
           <a:lstStyle/>
           <a:p>
             <a:r>
-              <a:rPr lang="en-US" altLang="ko-KR" dirty="0"/>
+              <a:rPr lang="en-US" altLang="ko-KR"/>
               <a:t>Challenges in FL</a:t>
             </a:r>
-            <a:endParaRPr lang="ko-KR" altLang="en-US" dirty="0"/>
+            <a:endParaRPr lang="ko-KR" altLang="en-US"/>
           </a:p>
         </p:txBody>
       </p:sp>
@@ -4225,10 +6264,10 @@
           <a:lstStyle/>
           <a:p>
             <a:r>
-              <a:rPr lang="en-US" altLang="ko-KR" sz="3600" dirty="0"/>
+              <a:rPr lang="en-US" altLang="ko-KR" sz="3600"/>
               <a:t>-&gt; heterogeneity!</a:t>
             </a:r>
-            <a:endParaRPr lang="ko-KR" altLang="en-US" sz="3600" dirty="0"/>
+            <a:endParaRPr lang="ko-KR" altLang="en-US" sz="3600"/>
           </a:p>
         </p:txBody>
       </p:sp>
@@ -4284,10 +6323,10 @@
           <a:lstStyle/>
           <a:p>
             <a:r>
-              <a:rPr lang="en-US" altLang="ko-KR" dirty="0"/>
+              <a:rPr lang="en-US" altLang="ko-KR"/>
               <a:t>Related Work</a:t>
             </a:r>
-            <a:endParaRPr lang="ko-KR" altLang="en-US" dirty="0"/>
+            <a:endParaRPr lang="ko-KR" altLang="en-US"/>
           </a:p>
         </p:txBody>
       </p:sp>
@@ -4320,10 +6359,10 @@
           <a:lstStyle/>
           <a:p>
             <a:r>
-              <a:rPr lang="en-US" altLang="ko-KR" sz="3600" dirty="0"/>
+              <a:rPr lang="en-US" altLang="ko-KR" sz="3600"/>
               <a:t>-&gt; Model-Heterogeneous Personalized FL</a:t>
             </a:r>
-            <a:endParaRPr lang="ko-KR" altLang="en-US" sz="3600" dirty="0"/>
+            <a:endParaRPr lang="ko-KR" altLang="en-US" sz="3600"/>
           </a:p>
         </p:txBody>
       </p:sp>
@@ -4379,10 +6418,10 @@
           <a:lstStyle/>
           <a:p>
             <a:r>
-              <a:rPr lang="en-US" altLang="ko-KR" dirty="0"/>
+              <a:rPr lang="en-US" altLang="ko-KR"/>
               <a:t>Challenges in MHPFL</a:t>
             </a:r>
-            <a:endParaRPr lang="ko-KR" altLang="en-US" dirty="0"/>
+            <a:endParaRPr lang="ko-KR" altLang="en-US"/>
           </a:p>
         </p:txBody>
       </p:sp>
@@ -4438,10 +6477,10 @@
           <a:lstStyle/>
           <a:p>
             <a:r>
-              <a:rPr lang="en-US" altLang="ko-KR" dirty="0"/>
+              <a:rPr lang="en-US" altLang="ko-KR"/>
               <a:t>The Problem the Author Aimed to Solve</a:t>
             </a:r>
-            <a:endParaRPr lang="ko-KR" altLang="en-US" dirty="0"/>
+            <a:endParaRPr lang="ko-KR" altLang="en-US"/>
           </a:p>
         </p:txBody>
       </p:sp>
@@ -4491,16 +6530,21 @@
             <p:ph type="title"/>
           </p:nvPr>
         </p:nvSpPr>
-        <p:spPr/>
+        <p:spPr>
+          <a:xfrm>
+            <a:off x="312906" y="150673"/>
+            <a:ext cx="10515600" cy="1325563"/>
+          </a:xfrm>
+        </p:spPr>
         <p:txBody>
           <a:bodyPr/>
           <a:lstStyle/>
           <a:p>
             <a:r>
-              <a:rPr lang="en-US" altLang="ko-KR" dirty="0" err="1"/>
+              <a:rPr lang="en-US" altLang="ko-KR" err="1"/>
               <a:t>pFedMoE</a:t>
             </a:r>
-            <a:endParaRPr lang="ko-KR" altLang="en-US" dirty="0"/>
+            <a:endParaRPr lang="ko-KR" altLang="en-US"/>
           </a:p>
         </p:txBody>
       </p:sp>
@@ -4526,7 +6570,7 @@
         </p:blipFill>
         <p:spPr>
           <a:xfrm>
-            <a:off x="2296433" y="1476236"/>
+            <a:off x="2413165" y="1398414"/>
             <a:ext cx="6888520" cy="4978958"/>
           </a:xfrm>
           <a:prstGeom prst="rect">
@@ -4569,7 +6613,7 @@
           <p:cNvPr id="2" name="제목 1">
             <a:extLst>
               <a:ext uri="{FF2B5EF4-FFF2-40B4-BE49-F238E27FC236}">
-                <a16:creationId xmlns:a16="http://schemas.microsoft.com/office/drawing/2014/main" id="{CACC4537-F720-7D68-B7BA-370B5FBF3D10}"/>
+                <a16:creationId xmlns:a16="http://schemas.microsoft.com/office/drawing/2014/main" id="{2DF51B8B-DB05-EFE2-C0FA-C32B1C46F3A6}"/>
               </a:ext>
             </a:extLst>
           </p:cNvPr>
@@ -4580,23 +6624,28 @@
             <p:ph type="title"/>
           </p:nvPr>
         </p:nvSpPr>
-        <p:spPr/>
+        <p:spPr>
+          <a:xfrm>
+            <a:off x="293452" y="131662"/>
+            <a:ext cx="10515600" cy="1325563"/>
+          </a:xfrm>
+        </p:spPr>
         <p:txBody>
           <a:bodyPr/>
           <a:lstStyle/>
           <a:p>
             <a:r>
-              <a:rPr lang="en-US" altLang="ko-KR" dirty="0"/>
-              <a:t>Analysis</a:t>
-            </a:r>
-            <a:endParaRPr lang="ko-KR" altLang="en-US" dirty="0"/>
+              <a:rPr lang="en-US" altLang="ko-KR"/>
+              <a:t>pFedMoE</a:t>
+            </a:r>
+            <a:endParaRPr lang="ko-KR" altLang="en-US"/>
           </a:p>
         </p:txBody>
       </p:sp>
     </p:spTree>
     <p:extLst>
       <p:ext uri="{BB962C8B-B14F-4D97-AF65-F5344CB8AC3E}">
-        <p14:creationId xmlns:p14="http://schemas.microsoft.com/office/powerpoint/2010/main" val="3432768764"/>
+        <p14:creationId xmlns:p14="http://schemas.microsoft.com/office/powerpoint/2010/main" val="1191966791"/>
       </p:ext>
     </p:extLst>
   </p:cSld>
